--- a/FFPM/FFPM 731.pptx
+++ b/FFPM/FFPM 731.pptx
@@ -117,6 +117,22 @@
       </a:defRPr>
     </a:lvl9pPr>
   </p:defaultTextStyle>
+  <p:extLst>
+    <p:ext uri="{EFAFB233-063F-42B5-8137-9DF3F51BA10A}">
+      <p15:sldGuideLst xmlns:p15="http://schemas.microsoft.com/office/powerpoint/2012/main">
+        <p15:guide id="1" orient="horz" pos="1620">
+          <p15:clr>
+            <a:srgbClr val="A4A3A4"/>
+          </p15:clr>
+        </p15:guide>
+        <p15:guide id="2" pos="2880">
+          <p15:clr>
+            <a:srgbClr val="A4A3A4"/>
+          </p15:clr>
+        </p15:guide>
+      </p15:sldGuideLst>
+    </p:ext>
+  </p:extLst>
 </p:presentation>
 </file>
 
@@ -158,10 +174,9 @@
           <a:lstStyle/>
           <a:p>
             <a:r>
-              <a:rPr lang="fr-FR" smtClean="0"/>
+              <a:rPr lang="fr-FR"/>
               <a:t>Cliquez pour modifier le style du titre</a:t>
             </a:r>
-            <a:endParaRPr lang="fr-FR"/>
           </a:p>
         </p:txBody>
       </p:sp>
@@ -277,10 +292,9 @@
           </a:lstStyle>
           <a:p>
             <a:r>
-              <a:rPr lang="fr-FR" smtClean="0"/>
+              <a:rPr lang="fr-FR"/>
               <a:t>Cliquez pour modifier le style des sous-titres du masque</a:t>
             </a:r>
-            <a:endParaRPr lang="fr-FR"/>
           </a:p>
         </p:txBody>
       </p:sp>
@@ -302,7 +316,7 @@
             <a:fld id="{E1E9137A-D7C1-4F8C-A62B-C89ADD9F06F3}" type="datetimeFigureOut">
               <a:rPr lang="fr-FR" smtClean="0"/>
               <a:pPr/>
-              <a:t>27/07/2014</a:t>
+              <a:t>16/07/2023</a:t>
             </a:fld>
             <a:endParaRPr lang="fr-FR"/>
           </a:p>
@@ -392,10 +406,9 @@
           <a:lstStyle/>
           <a:p>
             <a:r>
-              <a:rPr lang="fr-FR" smtClean="0"/>
+              <a:rPr lang="fr-FR"/>
               <a:t>Cliquez pour modifier le style du titre</a:t>
             </a:r>
-            <a:endParaRPr lang="fr-FR"/>
           </a:p>
         </p:txBody>
       </p:sp>
@@ -416,38 +429,37 @@
           <a:p>
             <a:pPr lvl="0"/>
             <a:r>
-              <a:rPr lang="fr-FR" smtClean="0"/>
+              <a:rPr lang="fr-FR"/>
               <a:t>Cliquez pour modifier les styles du texte du masque</a:t>
             </a:r>
           </a:p>
           <a:p>
             <a:pPr lvl="1"/>
             <a:r>
-              <a:rPr lang="fr-FR" smtClean="0"/>
+              <a:rPr lang="fr-FR"/>
               <a:t>Deuxième niveau</a:t>
             </a:r>
           </a:p>
           <a:p>
             <a:pPr lvl="2"/>
             <a:r>
-              <a:rPr lang="fr-FR" smtClean="0"/>
+              <a:rPr lang="fr-FR"/>
               <a:t>Troisième niveau</a:t>
             </a:r>
           </a:p>
           <a:p>
             <a:pPr lvl="3"/>
             <a:r>
-              <a:rPr lang="fr-FR" smtClean="0"/>
+              <a:rPr lang="fr-FR"/>
               <a:t>Quatrième niveau</a:t>
             </a:r>
           </a:p>
           <a:p>
             <a:pPr lvl="4"/>
             <a:r>
-              <a:rPr lang="fr-FR" smtClean="0"/>
+              <a:rPr lang="fr-FR"/>
               <a:t>Cinquième niveau</a:t>
             </a:r>
-            <a:endParaRPr lang="fr-FR"/>
           </a:p>
         </p:txBody>
       </p:sp>
@@ -469,7 +481,7 @@
             <a:fld id="{E1E9137A-D7C1-4F8C-A62B-C89ADD9F06F3}" type="datetimeFigureOut">
               <a:rPr lang="fr-FR" smtClean="0"/>
               <a:pPr/>
-              <a:t>27/07/2014</a:t>
+              <a:t>16/07/2023</a:t>
             </a:fld>
             <a:endParaRPr lang="fr-FR"/>
           </a:p>
@@ -564,10 +576,9 @@
           <a:lstStyle/>
           <a:p>
             <a:r>
-              <a:rPr lang="fr-FR" smtClean="0"/>
+              <a:rPr lang="fr-FR"/>
               <a:t>Cliquez pour modifier le style du titre</a:t>
             </a:r>
-            <a:endParaRPr lang="fr-FR"/>
           </a:p>
         </p:txBody>
       </p:sp>
@@ -593,38 +604,37 @@
           <a:p>
             <a:pPr lvl="0"/>
             <a:r>
-              <a:rPr lang="fr-FR" smtClean="0"/>
+              <a:rPr lang="fr-FR"/>
               <a:t>Cliquez pour modifier les styles du texte du masque</a:t>
             </a:r>
           </a:p>
           <a:p>
             <a:pPr lvl="1"/>
             <a:r>
-              <a:rPr lang="fr-FR" smtClean="0"/>
+              <a:rPr lang="fr-FR"/>
               <a:t>Deuxième niveau</a:t>
             </a:r>
           </a:p>
           <a:p>
             <a:pPr lvl="2"/>
             <a:r>
-              <a:rPr lang="fr-FR" smtClean="0"/>
+              <a:rPr lang="fr-FR"/>
               <a:t>Troisième niveau</a:t>
             </a:r>
           </a:p>
           <a:p>
             <a:pPr lvl="3"/>
             <a:r>
-              <a:rPr lang="fr-FR" smtClean="0"/>
+              <a:rPr lang="fr-FR"/>
               <a:t>Quatrième niveau</a:t>
             </a:r>
           </a:p>
           <a:p>
             <a:pPr lvl="4"/>
             <a:r>
-              <a:rPr lang="fr-FR" smtClean="0"/>
+              <a:rPr lang="fr-FR"/>
               <a:t>Cinquième niveau</a:t>
             </a:r>
-            <a:endParaRPr lang="fr-FR"/>
           </a:p>
         </p:txBody>
       </p:sp>
@@ -646,7 +656,7 @@
             <a:fld id="{E1E9137A-D7C1-4F8C-A62B-C89ADD9F06F3}" type="datetimeFigureOut">
               <a:rPr lang="fr-FR" smtClean="0"/>
               <a:pPr/>
-              <a:t>27/07/2014</a:t>
+              <a:t>16/07/2023</a:t>
             </a:fld>
             <a:endParaRPr lang="fr-FR"/>
           </a:p>
@@ -736,10 +746,9 @@
           <a:lstStyle/>
           <a:p>
             <a:r>
-              <a:rPr lang="fr-FR" smtClean="0"/>
+              <a:rPr lang="fr-FR"/>
               <a:t>Cliquez pour modifier le style du titre</a:t>
             </a:r>
-            <a:endParaRPr lang="fr-FR"/>
           </a:p>
         </p:txBody>
       </p:sp>
@@ -760,38 +769,37 @@
           <a:p>
             <a:pPr lvl="0"/>
             <a:r>
-              <a:rPr lang="fr-FR" smtClean="0"/>
+              <a:rPr lang="fr-FR"/>
               <a:t>Cliquez pour modifier les styles du texte du masque</a:t>
             </a:r>
           </a:p>
           <a:p>
             <a:pPr lvl="1"/>
             <a:r>
-              <a:rPr lang="fr-FR" smtClean="0"/>
+              <a:rPr lang="fr-FR"/>
               <a:t>Deuxième niveau</a:t>
             </a:r>
           </a:p>
           <a:p>
             <a:pPr lvl="2"/>
             <a:r>
-              <a:rPr lang="fr-FR" smtClean="0"/>
+              <a:rPr lang="fr-FR"/>
               <a:t>Troisième niveau</a:t>
             </a:r>
           </a:p>
           <a:p>
             <a:pPr lvl="3"/>
             <a:r>
-              <a:rPr lang="fr-FR" smtClean="0"/>
+              <a:rPr lang="fr-FR"/>
               <a:t>Quatrième niveau</a:t>
             </a:r>
           </a:p>
           <a:p>
             <a:pPr lvl="4"/>
             <a:r>
-              <a:rPr lang="fr-FR" smtClean="0"/>
+              <a:rPr lang="fr-FR"/>
               <a:t>Cinquième niveau</a:t>
             </a:r>
-            <a:endParaRPr lang="fr-FR"/>
           </a:p>
         </p:txBody>
       </p:sp>
@@ -813,7 +821,7 @@
             <a:fld id="{E1E9137A-D7C1-4F8C-A62B-C89ADD9F06F3}" type="datetimeFigureOut">
               <a:rPr lang="fr-FR" smtClean="0"/>
               <a:pPr/>
-              <a:t>27/07/2014</a:t>
+              <a:t>16/07/2023</a:t>
             </a:fld>
             <a:endParaRPr lang="fr-FR"/>
           </a:p>
@@ -912,10 +920,9 @@
           </a:lstStyle>
           <a:p>
             <a:r>
-              <a:rPr lang="fr-FR" smtClean="0"/>
+              <a:rPr lang="fr-FR"/>
               <a:t>Cliquez pour modifier le style du titre</a:t>
             </a:r>
-            <a:endParaRPr lang="fr-FR"/>
           </a:p>
         </p:txBody>
       </p:sp>
@@ -1032,7 +1039,7 @@
           <a:p>
             <a:pPr lvl="0"/>
             <a:r>
-              <a:rPr lang="fr-FR" smtClean="0"/>
+              <a:rPr lang="fr-FR"/>
               <a:t>Cliquez pour modifier les styles du texte du masque</a:t>
             </a:r>
           </a:p>
@@ -1056,7 +1063,7 @@
             <a:fld id="{E1E9137A-D7C1-4F8C-A62B-C89ADD9F06F3}" type="datetimeFigureOut">
               <a:rPr lang="fr-FR" smtClean="0"/>
               <a:pPr/>
-              <a:t>27/07/2014</a:t>
+              <a:t>16/07/2023</a:t>
             </a:fld>
             <a:endParaRPr lang="fr-FR"/>
           </a:p>
@@ -1146,10 +1153,9 @@
           <a:lstStyle/>
           <a:p>
             <a:r>
-              <a:rPr lang="fr-FR" smtClean="0"/>
+              <a:rPr lang="fr-FR"/>
               <a:t>Cliquez pour modifier le style du titre</a:t>
             </a:r>
-            <a:endParaRPr lang="fr-FR"/>
           </a:p>
         </p:txBody>
       </p:sp>
@@ -1203,38 +1209,37 @@
           <a:p>
             <a:pPr lvl="0"/>
             <a:r>
-              <a:rPr lang="fr-FR" smtClean="0"/>
+              <a:rPr lang="fr-FR"/>
               <a:t>Cliquez pour modifier les styles du texte du masque</a:t>
             </a:r>
           </a:p>
           <a:p>
             <a:pPr lvl="1"/>
             <a:r>
-              <a:rPr lang="fr-FR" smtClean="0"/>
+              <a:rPr lang="fr-FR"/>
               <a:t>Deuxième niveau</a:t>
             </a:r>
           </a:p>
           <a:p>
             <a:pPr lvl="2"/>
             <a:r>
-              <a:rPr lang="fr-FR" smtClean="0"/>
+              <a:rPr lang="fr-FR"/>
               <a:t>Troisième niveau</a:t>
             </a:r>
           </a:p>
           <a:p>
             <a:pPr lvl="3"/>
             <a:r>
-              <a:rPr lang="fr-FR" smtClean="0"/>
+              <a:rPr lang="fr-FR"/>
               <a:t>Quatrième niveau</a:t>
             </a:r>
           </a:p>
           <a:p>
             <a:pPr lvl="4"/>
             <a:r>
-              <a:rPr lang="fr-FR" smtClean="0"/>
+              <a:rPr lang="fr-FR"/>
               <a:t>Cinquième niveau</a:t>
             </a:r>
-            <a:endParaRPr lang="fr-FR"/>
           </a:p>
         </p:txBody>
       </p:sp>
@@ -1288,38 +1293,37 @@
           <a:p>
             <a:pPr lvl="0"/>
             <a:r>
-              <a:rPr lang="fr-FR" smtClean="0"/>
+              <a:rPr lang="fr-FR"/>
               <a:t>Cliquez pour modifier les styles du texte du masque</a:t>
             </a:r>
           </a:p>
           <a:p>
             <a:pPr lvl="1"/>
             <a:r>
-              <a:rPr lang="fr-FR" smtClean="0"/>
+              <a:rPr lang="fr-FR"/>
               <a:t>Deuxième niveau</a:t>
             </a:r>
           </a:p>
           <a:p>
             <a:pPr lvl="2"/>
             <a:r>
-              <a:rPr lang="fr-FR" smtClean="0"/>
+              <a:rPr lang="fr-FR"/>
               <a:t>Troisième niveau</a:t>
             </a:r>
           </a:p>
           <a:p>
             <a:pPr lvl="3"/>
             <a:r>
-              <a:rPr lang="fr-FR" smtClean="0"/>
+              <a:rPr lang="fr-FR"/>
               <a:t>Quatrième niveau</a:t>
             </a:r>
           </a:p>
           <a:p>
             <a:pPr lvl="4"/>
             <a:r>
-              <a:rPr lang="fr-FR" smtClean="0"/>
+              <a:rPr lang="fr-FR"/>
               <a:t>Cinquième niveau</a:t>
             </a:r>
-            <a:endParaRPr lang="fr-FR"/>
           </a:p>
         </p:txBody>
       </p:sp>
@@ -1341,7 +1345,7 @@
             <a:fld id="{E1E9137A-D7C1-4F8C-A62B-C89ADD9F06F3}" type="datetimeFigureOut">
               <a:rPr lang="fr-FR" smtClean="0"/>
               <a:pPr/>
-              <a:t>27/07/2014</a:t>
+              <a:t>16/07/2023</a:t>
             </a:fld>
             <a:endParaRPr lang="fr-FR"/>
           </a:p>
@@ -1435,10 +1439,9 @@
           </a:lstStyle>
           <a:p>
             <a:r>
-              <a:rPr lang="fr-FR" smtClean="0"/>
+              <a:rPr lang="fr-FR"/>
               <a:t>Cliquez pour modifier le style du titre</a:t>
             </a:r>
-            <a:endParaRPr lang="fr-FR"/>
           </a:p>
         </p:txBody>
       </p:sp>
@@ -1501,7 +1504,7 @@
           <a:p>
             <a:pPr lvl="0"/>
             <a:r>
-              <a:rPr lang="fr-FR" smtClean="0"/>
+              <a:rPr lang="fr-FR"/>
               <a:t>Cliquez pour modifier les styles du texte du masque</a:t>
             </a:r>
           </a:p>
@@ -1557,38 +1560,37 @@
           <a:p>
             <a:pPr lvl="0"/>
             <a:r>
-              <a:rPr lang="fr-FR" smtClean="0"/>
+              <a:rPr lang="fr-FR"/>
               <a:t>Cliquez pour modifier les styles du texte du masque</a:t>
             </a:r>
           </a:p>
           <a:p>
             <a:pPr lvl="1"/>
             <a:r>
-              <a:rPr lang="fr-FR" smtClean="0"/>
+              <a:rPr lang="fr-FR"/>
               <a:t>Deuxième niveau</a:t>
             </a:r>
           </a:p>
           <a:p>
             <a:pPr lvl="2"/>
             <a:r>
-              <a:rPr lang="fr-FR" smtClean="0"/>
+              <a:rPr lang="fr-FR"/>
               <a:t>Troisième niveau</a:t>
             </a:r>
           </a:p>
           <a:p>
             <a:pPr lvl="3"/>
             <a:r>
-              <a:rPr lang="fr-FR" smtClean="0"/>
+              <a:rPr lang="fr-FR"/>
               <a:t>Quatrième niveau</a:t>
             </a:r>
           </a:p>
           <a:p>
             <a:pPr lvl="4"/>
             <a:r>
-              <a:rPr lang="fr-FR" smtClean="0"/>
+              <a:rPr lang="fr-FR"/>
               <a:t>Cinquième niveau</a:t>
             </a:r>
-            <a:endParaRPr lang="fr-FR"/>
           </a:p>
         </p:txBody>
       </p:sp>
@@ -1651,7 +1653,7 @@
           <a:p>
             <a:pPr lvl="0"/>
             <a:r>
-              <a:rPr lang="fr-FR" smtClean="0"/>
+              <a:rPr lang="fr-FR"/>
               <a:t>Cliquez pour modifier les styles du texte du masque</a:t>
             </a:r>
           </a:p>
@@ -1707,38 +1709,37 @@
           <a:p>
             <a:pPr lvl="0"/>
             <a:r>
-              <a:rPr lang="fr-FR" smtClean="0"/>
+              <a:rPr lang="fr-FR"/>
               <a:t>Cliquez pour modifier les styles du texte du masque</a:t>
             </a:r>
           </a:p>
           <a:p>
             <a:pPr lvl="1"/>
             <a:r>
-              <a:rPr lang="fr-FR" smtClean="0"/>
+              <a:rPr lang="fr-FR"/>
               <a:t>Deuxième niveau</a:t>
             </a:r>
           </a:p>
           <a:p>
             <a:pPr lvl="2"/>
             <a:r>
-              <a:rPr lang="fr-FR" smtClean="0"/>
+              <a:rPr lang="fr-FR"/>
               <a:t>Troisième niveau</a:t>
             </a:r>
           </a:p>
           <a:p>
             <a:pPr lvl="3"/>
             <a:r>
-              <a:rPr lang="fr-FR" smtClean="0"/>
+              <a:rPr lang="fr-FR"/>
               <a:t>Quatrième niveau</a:t>
             </a:r>
           </a:p>
           <a:p>
             <a:pPr lvl="4"/>
             <a:r>
-              <a:rPr lang="fr-FR" smtClean="0"/>
+              <a:rPr lang="fr-FR"/>
               <a:t>Cinquième niveau</a:t>
             </a:r>
-            <a:endParaRPr lang="fr-FR"/>
           </a:p>
         </p:txBody>
       </p:sp>
@@ -1760,7 +1761,7 @@
             <a:fld id="{E1E9137A-D7C1-4F8C-A62B-C89ADD9F06F3}" type="datetimeFigureOut">
               <a:rPr lang="fr-FR" smtClean="0"/>
               <a:pPr/>
-              <a:t>27/07/2014</a:t>
+              <a:t>16/07/2023</a:t>
             </a:fld>
             <a:endParaRPr lang="fr-FR"/>
           </a:p>
@@ -1850,10 +1851,9 @@
           <a:lstStyle/>
           <a:p>
             <a:r>
-              <a:rPr lang="fr-FR" smtClean="0"/>
+              <a:rPr lang="fr-FR"/>
               <a:t>Cliquez pour modifier le style du titre</a:t>
             </a:r>
-            <a:endParaRPr lang="fr-FR"/>
           </a:p>
         </p:txBody>
       </p:sp>
@@ -1875,7 +1875,7 @@
             <a:fld id="{E1E9137A-D7C1-4F8C-A62B-C89ADD9F06F3}" type="datetimeFigureOut">
               <a:rPr lang="fr-FR" smtClean="0"/>
               <a:pPr/>
-              <a:t>27/07/2014</a:t>
+              <a:t>16/07/2023</a:t>
             </a:fld>
             <a:endParaRPr lang="fr-FR"/>
           </a:p>
@@ -1967,7 +1967,7 @@
             <a:fld id="{E1E9137A-D7C1-4F8C-A62B-C89ADD9F06F3}" type="datetimeFigureOut">
               <a:rPr lang="fr-FR" smtClean="0"/>
               <a:pPr/>
-              <a:t>27/07/2014</a:t>
+              <a:t>16/07/2023</a:t>
             </a:fld>
             <a:endParaRPr lang="fr-FR"/>
           </a:p>
@@ -2066,10 +2066,9 @@
           </a:lstStyle>
           <a:p>
             <a:r>
-              <a:rPr lang="fr-FR" smtClean="0"/>
+              <a:rPr lang="fr-FR"/>
               <a:t>Cliquez pour modifier le style du titre</a:t>
             </a:r>
-            <a:endParaRPr lang="fr-FR"/>
           </a:p>
         </p:txBody>
       </p:sp>
@@ -2123,38 +2122,37 @@
           <a:p>
             <a:pPr lvl="0"/>
             <a:r>
-              <a:rPr lang="fr-FR" smtClean="0"/>
+              <a:rPr lang="fr-FR"/>
               <a:t>Cliquez pour modifier les styles du texte du masque</a:t>
             </a:r>
           </a:p>
           <a:p>
             <a:pPr lvl="1"/>
             <a:r>
-              <a:rPr lang="fr-FR" smtClean="0"/>
+              <a:rPr lang="fr-FR"/>
               <a:t>Deuxième niveau</a:t>
             </a:r>
           </a:p>
           <a:p>
             <a:pPr lvl="2"/>
             <a:r>
-              <a:rPr lang="fr-FR" smtClean="0"/>
+              <a:rPr lang="fr-FR"/>
               <a:t>Troisième niveau</a:t>
             </a:r>
           </a:p>
           <a:p>
             <a:pPr lvl="3"/>
             <a:r>
-              <a:rPr lang="fr-FR" smtClean="0"/>
+              <a:rPr lang="fr-FR"/>
               <a:t>Quatrième niveau</a:t>
             </a:r>
           </a:p>
           <a:p>
             <a:pPr lvl="4"/>
             <a:r>
-              <a:rPr lang="fr-FR" smtClean="0"/>
+              <a:rPr lang="fr-FR"/>
               <a:t>Cinquième niveau</a:t>
             </a:r>
-            <a:endParaRPr lang="fr-FR"/>
           </a:p>
         </p:txBody>
       </p:sp>
@@ -2217,7 +2215,7 @@
           <a:p>
             <a:pPr lvl="0"/>
             <a:r>
-              <a:rPr lang="fr-FR" smtClean="0"/>
+              <a:rPr lang="fr-FR"/>
               <a:t>Cliquez pour modifier les styles du texte du masque</a:t>
             </a:r>
           </a:p>
@@ -2241,7 +2239,7 @@
             <a:fld id="{E1E9137A-D7C1-4F8C-A62B-C89ADD9F06F3}" type="datetimeFigureOut">
               <a:rPr lang="fr-FR" smtClean="0"/>
               <a:pPr/>
-              <a:t>27/07/2014</a:t>
+              <a:t>16/07/2023</a:t>
             </a:fld>
             <a:endParaRPr lang="fr-FR"/>
           </a:p>
@@ -2340,10 +2338,9 @@
           </a:lstStyle>
           <a:p>
             <a:r>
-              <a:rPr lang="fr-FR" smtClean="0"/>
+              <a:rPr lang="fr-FR"/>
               <a:t>Cliquez pour modifier le style du titre</a:t>
             </a:r>
-            <a:endParaRPr lang="fr-FR"/>
           </a:p>
         </p:txBody>
       </p:sp>
@@ -2467,7 +2464,7 @@
           <a:p>
             <a:pPr lvl="0"/>
             <a:r>
-              <a:rPr lang="fr-FR" smtClean="0"/>
+              <a:rPr lang="fr-FR"/>
               <a:t>Cliquez pour modifier les styles du texte du masque</a:t>
             </a:r>
           </a:p>
@@ -2491,7 +2488,7 @@
             <a:fld id="{E1E9137A-D7C1-4F8C-A62B-C89ADD9F06F3}" type="datetimeFigureOut">
               <a:rPr lang="fr-FR" smtClean="0"/>
               <a:pPr/>
-              <a:t>27/07/2014</a:t>
+              <a:t>16/07/2023</a:t>
             </a:fld>
             <a:endParaRPr lang="fr-FR"/>
           </a:p>
@@ -2596,10 +2593,9 @@
           <a:lstStyle/>
           <a:p>
             <a:r>
-              <a:rPr lang="fr-FR" smtClean="0"/>
+              <a:rPr lang="fr-FR"/>
               <a:t>Cliquez pour modifier le style du titre</a:t>
             </a:r>
-            <a:endParaRPr lang="fr-FR"/>
           </a:p>
         </p:txBody>
       </p:sp>
@@ -2630,38 +2626,37 @@
           <a:p>
             <a:pPr lvl="0"/>
             <a:r>
-              <a:rPr lang="fr-FR" smtClean="0"/>
+              <a:rPr lang="fr-FR"/>
               <a:t>Cliquez pour modifier les styles du texte du masque</a:t>
             </a:r>
           </a:p>
           <a:p>
             <a:pPr lvl="1"/>
             <a:r>
-              <a:rPr lang="fr-FR" smtClean="0"/>
+              <a:rPr lang="fr-FR"/>
               <a:t>Deuxième niveau</a:t>
             </a:r>
           </a:p>
           <a:p>
             <a:pPr lvl="2"/>
             <a:r>
-              <a:rPr lang="fr-FR" smtClean="0"/>
+              <a:rPr lang="fr-FR"/>
               <a:t>Troisième niveau</a:t>
             </a:r>
           </a:p>
           <a:p>
             <a:pPr lvl="3"/>
             <a:r>
-              <a:rPr lang="fr-FR" smtClean="0"/>
+              <a:rPr lang="fr-FR"/>
               <a:t>Quatrième niveau</a:t>
             </a:r>
           </a:p>
           <a:p>
             <a:pPr lvl="4"/>
             <a:r>
-              <a:rPr lang="fr-FR" smtClean="0"/>
+              <a:rPr lang="fr-FR"/>
               <a:t>Cinquième niveau</a:t>
             </a:r>
-            <a:endParaRPr lang="fr-FR"/>
           </a:p>
         </p:txBody>
       </p:sp>
@@ -2701,7 +2696,7 @@
             <a:fld id="{E1E9137A-D7C1-4F8C-A62B-C89ADD9F06F3}" type="datetimeFigureOut">
               <a:rPr lang="fr-FR" smtClean="0"/>
               <a:pPr/>
-              <a:t>27/07/2014</a:t>
+              <a:t>16/07/2023</a:t>
             </a:fld>
             <a:endParaRPr lang="fr-FR"/>
           </a:p>
@@ -3094,43 +3089,43 @@
           <a:lstStyle/>
           <a:p>
             <a:r>
-              <a:rPr lang="fr-FR" sz="4000" b="1" dirty="0" err="1" smtClean="0"/>
+              <a:rPr lang="fr-FR" sz="4000" b="1" dirty="0" err="1"/>
               <a:t>Enga</a:t>
             </a:r>
             <a:r>
-              <a:rPr lang="fr-FR" sz="4000" b="1" dirty="0" smtClean="0"/>
-              <a:t> </a:t>
-            </a:r>
-            <a:r>
-              <a:rPr lang="fr-FR" sz="4000" b="1" dirty="0" err="1" smtClean="0"/>
+              <a:rPr lang="fr-FR" sz="4000" b="1" dirty="0"/>
+              <a:t> </a:t>
+            </a:r>
+            <a:r>
+              <a:rPr lang="fr-FR" sz="4000" b="1" dirty="0" err="1"/>
               <a:t>anie</a:t>
             </a:r>
             <a:r>
-              <a:rPr lang="fr-FR" sz="4000" b="1" dirty="0" smtClean="0"/>
+              <a:rPr lang="fr-FR" sz="4000" b="1" dirty="0"/>
               <a:t> ka </a:t>
             </a:r>
             <a:r>
-              <a:rPr lang="fr-FR" sz="4000" b="1" dirty="0" err="1" smtClean="0"/>
+              <a:rPr lang="fr-FR" sz="4000" b="1" dirty="0" err="1"/>
               <a:t>homba</a:t>
             </a:r>
             <a:r>
-              <a:rPr lang="fr-FR" sz="4000" b="1" dirty="0" smtClean="0"/>
-              <a:t> </a:t>
-            </a:r>
-            <a:r>
-              <a:rPr lang="fr-FR" sz="4000" b="1" dirty="0" err="1" smtClean="0"/>
+              <a:rPr lang="fr-FR" sz="4000" b="1" dirty="0"/>
+              <a:t> </a:t>
+            </a:r>
+            <a:r>
+              <a:rPr lang="fr-FR" sz="4000" b="1" dirty="0" err="1"/>
               <a:t>anao</a:t>
             </a:r>
             <a:r>
-              <a:rPr lang="fr-FR" sz="4000" b="1" dirty="0" smtClean="0"/>
-              <a:t> </a:t>
-            </a:r>
-            <a:r>
-              <a:rPr lang="fr-FR" sz="4000" b="1" dirty="0" err="1" smtClean="0"/>
+              <a:rPr lang="fr-FR" sz="4000" b="1" dirty="0"/>
+              <a:t> </a:t>
+            </a:r>
+            <a:r>
+              <a:rPr lang="fr-FR" sz="4000" b="1" dirty="0" err="1"/>
               <a:t>Jeso</a:t>
             </a:r>
             <a:r>
-              <a:rPr lang="fr-FR" sz="4000" b="1" dirty="0" smtClean="0"/>
+              <a:rPr lang="fr-FR" sz="4000" b="1" dirty="0"/>
               <a:t>!</a:t>
             </a:r>
             <a:endParaRPr lang="fr-FR" sz="4000" dirty="0"/>
@@ -3160,7 +3155,7 @@
           <a:p>
             <a:pPr algn="ctr"/>
             <a:r>
-              <a:rPr lang="fi-FI" sz="8000" b="1" dirty="0" smtClean="0"/>
+              <a:rPr lang="fi-FI" sz="8000" b="1" dirty="0"/>
               <a:t>731</a:t>
             </a:r>
             <a:endParaRPr lang="fr-FR" sz="8000" dirty="0"/>
@@ -3172,13 +3167,6 @@
   <p:clrMapOvr>
     <a:masterClrMapping/>
   </p:clrMapOvr>
-  <p:timing>
-    <p:tnLst>
-      <p:par>
-        <p:cTn id="1" dur="indefinite" restart="never" nodeType="tmRoot"/>
-      </p:par>
-    </p:tnLst>
-  </p:timing>
 </p:sld>
 </file>
 
@@ -3222,97 +3210,97 @@
           <a:p>
             <a:pPr algn="ctr"/>
             <a:r>
-              <a:rPr lang="fi-FI" sz="5400" b="1" dirty="0" smtClean="0"/>
+              <a:rPr lang="fi-FI" sz="5400" b="1" dirty="0"/>
               <a:t>5. Raho hilaozana ny havana, </a:t>
             </a:r>
           </a:p>
           <a:p>
             <a:pPr algn="ctr"/>
             <a:r>
-              <a:rPr lang="fr-FR" sz="5400" b="1" dirty="0" err="1" smtClean="0"/>
+              <a:rPr lang="fr-FR" sz="5400" b="1" dirty="0" err="1"/>
               <a:t>Sady</a:t>
             </a:r>
             <a:r>
-              <a:rPr lang="fr-FR" sz="5400" b="1" dirty="0" smtClean="0"/>
-              <a:t> </a:t>
-            </a:r>
-            <a:r>
-              <a:rPr lang="fr-FR" sz="5400" b="1" dirty="0" err="1" smtClean="0"/>
+              <a:rPr lang="fr-FR" sz="5400" b="1" dirty="0"/>
+              <a:t> </a:t>
+            </a:r>
+            <a:r>
+              <a:rPr lang="fr-FR" sz="5400" b="1" dirty="0" err="1"/>
               <a:t>mainty</a:t>
             </a:r>
             <a:r>
-              <a:rPr lang="fr-FR" sz="5400" b="1" dirty="0" smtClean="0"/>
-              <a:t> </a:t>
-            </a:r>
-            <a:r>
-              <a:rPr lang="fr-FR" sz="5400" b="1" dirty="0" err="1" smtClean="0"/>
+              <a:rPr lang="fr-FR" sz="5400" b="1" dirty="0"/>
+              <a:t> </a:t>
+            </a:r>
+            <a:r>
+              <a:rPr lang="fr-FR" sz="5400" b="1" dirty="0" err="1"/>
               <a:t>koa</a:t>
             </a:r>
             <a:r>
-              <a:rPr lang="fr-FR" sz="5400" b="1" dirty="0" smtClean="0"/>
+              <a:rPr lang="fr-FR" sz="5400" b="1" dirty="0"/>
               <a:t> Jordana, </a:t>
             </a:r>
           </a:p>
           <a:p>
             <a:pPr algn="ctr"/>
             <a:r>
-              <a:rPr lang="fr-FR" sz="5400" b="1" dirty="0" smtClean="0"/>
+              <a:rPr lang="fr-FR" sz="5400" b="1" dirty="0"/>
               <a:t>Ho </a:t>
             </a:r>
             <a:r>
-              <a:rPr lang="fr-FR" sz="5400" b="1" dirty="0" err="1" smtClean="0"/>
+              <a:rPr lang="fr-FR" sz="5400" b="1" dirty="0" err="1"/>
               <a:t>mazava</a:t>
             </a:r>
             <a:r>
-              <a:rPr lang="fr-FR" sz="5400" b="1" dirty="0" smtClean="0"/>
-              <a:t> </a:t>
-            </a:r>
-            <a:r>
-              <a:rPr lang="fr-FR" sz="5400" b="1" dirty="0" err="1" smtClean="0"/>
+              <a:rPr lang="fr-FR" sz="5400" b="1" dirty="0"/>
+              <a:t> </a:t>
+            </a:r>
+            <a:r>
+              <a:rPr lang="fr-FR" sz="5400" b="1" dirty="0" err="1"/>
               <a:t>ny</a:t>
             </a:r>
             <a:r>
-              <a:rPr lang="fr-FR" sz="5400" b="1" dirty="0" smtClean="0"/>
-              <a:t> </a:t>
-            </a:r>
-            <a:r>
-              <a:rPr lang="fr-FR" sz="5400" b="1" dirty="0" err="1" smtClean="0"/>
+              <a:rPr lang="fr-FR" sz="5400" b="1" dirty="0"/>
+              <a:t> </a:t>
+            </a:r>
+            <a:r>
+              <a:rPr lang="fr-FR" sz="5400" b="1" dirty="0" err="1"/>
               <a:t>fitàna</a:t>
             </a:r>
-            <a:endParaRPr lang="fr-FR" sz="5400" b="1" dirty="0" smtClean="0"/>
+            <a:endParaRPr lang="fr-FR" sz="5400" b="1" dirty="0"/>
           </a:p>
           <a:p>
             <a:pPr algn="ctr"/>
             <a:r>
-              <a:rPr lang="fr-FR" sz="5400" b="1" dirty="0" err="1" smtClean="0"/>
+              <a:rPr lang="fr-FR" sz="5400" b="1" dirty="0" err="1"/>
               <a:t>Ao</a:t>
             </a:r>
             <a:r>
-              <a:rPr lang="fr-FR" sz="5400" b="1" dirty="0" smtClean="0"/>
-              <a:t> </a:t>
-            </a:r>
-            <a:r>
-              <a:rPr lang="fr-FR" sz="5400" b="1" dirty="0" err="1" smtClean="0"/>
+              <a:rPr lang="fr-FR" sz="5400" b="1" dirty="0"/>
+              <a:t> </a:t>
+            </a:r>
+            <a:r>
+              <a:rPr lang="fr-FR" sz="5400" b="1" dirty="0" err="1"/>
               <a:t>Jeso</a:t>
             </a:r>
             <a:r>
-              <a:rPr lang="fr-FR" sz="5400" b="1" dirty="0" smtClean="0"/>
-              <a:t> </a:t>
-            </a:r>
-            <a:r>
-              <a:rPr lang="fr-FR" sz="5400" b="1" dirty="0" err="1" smtClean="0"/>
+              <a:rPr lang="fr-FR" sz="5400" b="1" dirty="0"/>
+              <a:t> </a:t>
+            </a:r>
+            <a:r>
+              <a:rPr lang="fr-FR" sz="5400" b="1" dirty="0" err="1"/>
               <a:t>hanangana</a:t>
             </a:r>
             <a:r>
-              <a:rPr lang="fr-FR" sz="5400" b="1" dirty="0" smtClean="0"/>
-              <a:t> </a:t>
-            </a:r>
-            <a:r>
-              <a:rPr lang="fr-FR" sz="5400" b="1" dirty="0" err="1" smtClean="0"/>
+              <a:rPr lang="fr-FR" sz="5400" b="1" dirty="0"/>
+              <a:t> </a:t>
+            </a:r>
+            <a:r>
+              <a:rPr lang="fr-FR" sz="5400" b="1" dirty="0" err="1"/>
               <a:t>avana</a:t>
             </a:r>
             <a:r>
-              <a:rPr lang="fr-FR" sz="5400" b="1" dirty="0" smtClean="0"/>
+              <a:rPr lang="fr-FR" sz="5400" b="1" dirty="0"/>
               <a:t>. </a:t>
             </a:r>
           </a:p>
@@ -3366,315 +3354,163 @@
           <a:p>
             <a:pPr algn="ctr"/>
             <a:r>
-              <a:rPr lang="es-ES" sz="5400" b="1" dirty="0" err="1" smtClean="0">
-                <a:solidFill>
-                  <a:srgbClr val="FF0000"/>
-                </a:solidFill>
-              </a:rPr>
+              <a:rPr lang="es-ES" sz="5400" b="1" dirty="0" err="1"/>
               <a:t>Homba</a:t>
             </a:r>
             <a:r>
-              <a:rPr lang="es-ES" sz="5400" b="1" dirty="0" smtClean="0">
-                <a:solidFill>
-                  <a:srgbClr val="FF0000"/>
-                </a:solidFill>
-              </a:rPr>
-              <a:t> </a:t>
-            </a:r>
-            <a:r>
-              <a:rPr lang="es-ES" sz="5400" b="1" dirty="0" err="1" smtClean="0">
-                <a:solidFill>
-                  <a:srgbClr val="FF0000"/>
-                </a:solidFill>
-              </a:rPr>
+              <a:rPr lang="es-ES" sz="5400" b="1" dirty="0"/>
+              <a:t> </a:t>
+            </a:r>
+            <a:r>
+              <a:rPr lang="es-ES" sz="5400" b="1" dirty="0" err="1"/>
               <a:t>anao</a:t>
             </a:r>
             <a:r>
-              <a:rPr lang="es-ES" sz="5400" b="1" dirty="0" smtClean="0">
-                <a:solidFill>
-                  <a:srgbClr val="FF0000"/>
-                </a:solidFill>
-              </a:rPr>
+              <a:rPr lang="es-ES" sz="5400" b="1" dirty="0"/>
               <a:t>, </a:t>
             </a:r>
             <a:r>
-              <a:rPr lang="es-ES" sz="5400" b="1" dirty="0" err="1" smtClean="0">
-                <a:solidFill>
-                  <a:srgbClr val="FF0000"/>
-                </a:solidFill>
-              </a:rPr>
+              <a:rPr lang="es-ES" sz="5400" b="1" dirty="0" err="1"/>
               <a:t>Homba</a:t>
             </a:r>
             <a:r>
-              <a:rPr lang="es-ES" sz="5400" b="1" dirty="0" smtClean="0">
-                <a:solidFill>
-                  <a:srgbClr val="FF0000"/>
-                </a:solidFill>
-              </a:rPr>
-              <a:t> </a:t>
-            </a:r>
-            <a:r>
-              <a:rPr lang="es-ES" sz="5400" b="1" dirty="0" err="1" smtClean="0">
-                <a:solidFill>
-                  <a:srgbClr val="FF0000"/>
-                </a:solidFill>
-              </a:rPr>
+              <a:rPr lang="es-ES" sz="5400" b="1" dirty="0"/>
+              <a:t> </a:t>
+            </a:r>
+            <a:r>
+              <a:rPr lang="es-ES" sz="5400" b="1" dirty="0" err="1"/>
               <a:t>anao</a:t>
             </a:r>
             <a:r>
-              <a:rPr lang="es-ES" sz="5400" b="1" dirty="0" smtClean="0">
-                <a:solidFill>
-                  <a:srgbClr val="FF0000"/>
-                </a:solidFill>
-              </a:rPr>
-              <a:t> </a:t>
-            </a:r>
-            <a:r>
-              <a:rPr lang="es-ES" sz="5400" b="1" dirty="0" err="1" smtClean="0">
-                <a:solidFill>
-                  <a:srgbClr val="FF0000"/>
-                </a:solidFill>
-              </a:rPr>
+              <a:rPr lang="es-ES" sz="5400" b="1" dirty="0"/>
+              <a:t> </a:t>
+            </a:r>
+            <a:r>
+              <a:rPr lang="es-ES" sz="5400" b="1" dirty="0" err="1"/>
               <a:t>Jeso</a:t>
             </a:r>
             <a:r>
-              <a:rPr lang="es-ES" sz="5400" b="1" dirty="0" smtClean="0">
-                <a:solidFill>
-                  <a:srgbClr val="FF0000"/>
-                </a:solidFill>
-              </a:rPr>
+              <a:rPr lang="es-ES" sz="5400" b="1" dirty="0"/>
               <a:t> </a:t>
             </a:r>
           </a:p>
           <a:p>
             <a:pPr algn="ctr"/>
             <a:r>
-              <a:rPr lang="fr-FR" sz="5400" b="1" dirty="0" err="1" smtClean="0">
-                <a:solidFill>
-                  <a:srgbClr val="FF0000"/>
-                </a:solidFill>
-              </a:rPr>
+              <a:rPr lang="fr-FR" sz="5400" b="1" dirty="0" err="1"/>
               <a:t>Homba</a:t>
             </a:r>
             <a:r>
-              <a:rPr lang="fr-FR" sz="5400" b="1" dirty="0" smtClean="0">
-                <a:solidFill>
-                  <a:srgbClr val="FF0000"/>
-                </a:solidFill>
-              </a:rPr>
-              <a:t> </a:t>
-            </a:r>
-            <a:r>
-              <a:rPr lang="fr-FR" sz="5400" b="1" dirty="0" err="1" smtClean="0">
-                <a:solidFill>
-                  <a:srgbClr val="FF0000"/>
-                </a:solidFill>
-              </a:rPr>
+              <a:rPr lang="fr-FR" sz="5400" b="1" dirty="0"/>
+              <a:t> </a:t>
+            </a:r>
+            <a:r>
+              <a:rPr lang="fr-FR" sz="5400" b="1" dirty="0" err="1"/>
               <a:t>anao</a:t>
             </a:r>
             <a:r>
-              <a:rPr lang="fr-FR" sz="5400" b="1" dirty="0" smtClean="0">
-                <a:solidFill>
-                  <a:srgbClr val="FF0000"/>
-                </a:solidFill>
-              </a:rPr>
-              <a:t> </a:t>
-            </a:r>
-            <a:r>
-              <a:rPr lang="fr-FR" sz="5400" b="1" dirty="0" err="1" smtClean="0">
-                <a:solidFill>
-                  <a:srgbClr val="FF0000"/>
-                </a:solidFill>
-              </a:rPr>
+              <a:rPr lang="fr-FR" sz="5400" b="1" dirty="0"/>
+              <a:t> </a:t>
+            </a:r>
+            <a:r>
+              <a:rPr lang="fr-FR" sz="5400" b="1" dirty="0" err="1"/>
               <a:t>anie</a:t>
             </a:r>
             <a:r>
-              <a:rPr lang="fr-FR" sz="5400" b="1" dirty="0" smtClean="0">
-                <a:solidFill>
-                  <a:srgbClr val="FF0000"/>
-                </a:solidFill>
-              </a:rPr>
-              <a:t> </a:t>
-            </a:r>
-            <a:r>
-              <a:rPr lang="fr-FR" sz="5400" b="1" dirty="0" err="1" smtClean="0">
-                <a:solidFill>
-                  <a:srgbClr val="FF0000"/>
-                </a:solidFill>
-              </a:rPr>
+              <a:rPr lang="fr-FR" sz="5400" b="1" dirty="0"/>
+              <a:t> </a:t>
+            </a:r>
+            <a:r>
+              <a:rPr lang="fr-FR" sz="5400" b="1" dirty="0" err="1"/>
               <a:t>Jeso</a:t>
             </a:r>
             <a:r>
-              <a:rPr lang="fr-FR" sz="5400" b="1" dirty="0" smtClean="0">
-                <a:solidFill>
-                  <a:srgbClr val="FF0000"/>
-                </a:solidFill>
-              </a:rPr>
+              <a:rPr lang="fr-FR" sz="5400" b="1" dirty="0"/>
               <a:t>, </a:t>
             </a:r>
           </a:p>
           <a:p>
             <a:pPr algn="ctr"/>
             <a:r>
-              <a:rPr lang="es-ES" sz="5400" b="1" dirty="0" err="1" smtClean="0">
-                <a:solidFill>
-                  <a:srgbClr val="FF0000"/>
-                </a:solidFill>
-              </a:rPr>
+              <a:rPr lang="es-ES" sz="5400" b="1" dirty="0" err="1"/>
               <a:t>Homba</a:t>
             </a:r>
             <a:r>
-              <a:rPr lang="es-ES" sz="5400" b="1" dirty="0" smtClean="0">
-                <a:solidFill>
-                  <a:srgbClr val="FF0000"/>
-                </a:solidFill>
-              </a:rPr>
-              <a:t> </a:t>
-            </a:r>
-            <a:r>
-              <a:rPr lang="es-ES" sz="5400" b="1" dirty="0" err="1" smtClean="0">
-                <a:solidFill>
-                  <a:srgbClr val="FF0000"/>
-                </a:solidFill>
-              </a:rPr>
+              <a:rPr lang="es-ES" sz="5400" b="1" dirty="0"/>
+              <a:t> </a:t>
+            </a:r>
+            <a:r>
+              <a:rPr lang="es-ES" sz="5400" b="1" dirty="0" err="1"/>
               <a:t>anao</a:t>
             </a:r>
             <a:r>
-              <a:rPr lang="es-ES" sz="5400" b="1" dirty="0" smtClean="0">
-                <a:solidFill>
-                  <a:srgbClr val="FF0000"/>
-                </a:solidFill>
-              </a:rPr>
+              <a:rPr lang="es-ES" sz="5400" b="1" dirty="0"/>
               <a:t>, </a:t>
             </a:r>
             <a:r>
-              <a:rPr lang="es-ES" sz="5400" b="1" dirty="0" err="1" smtClean="0">
-                <a:solidFill>
-                  <a:srgbClr val="FF0000"/>
-                </a:solidFill>
-              </a:rPr>
+              <a:rPr lang="es-ES" sz="5400" b="1" dirty="0" err="1"/>
               <a:t>Homba</a:t>
             </a:r>
             <a:r>
-              <a:rPr lang="es-ES" sz="5400" b="1" dirty="0" smtClean="0">
-                <a:solidFill>
-                  <a:srgbClr val="FF0000"/>
-                </a:solidFill>
-              </a:rPr>
-              <a:t> </a:t>
-            </a:r>
-            <a:r>
-              <a:rPr lang="es-ES" sz="5400" b="1" dirty="0" err="1" smtClean="0">
-                <a:solidFill>
-                  <a:srgbClr val="FF0000"/>
-                </a:solidFill>
-              </a:rPr>
+              <a:rPr lang="es-ES" sz="5400" b="1" dirty="0"/>
+              <a:t> </a:t>
+            </a:r>
+            <a:r>
+              <a:rPr lang="es-ES" sz="5400" b="1" dirty="0" err="1"/>
               <a:t>anao</a:t>
             </a:r>
             <a:r>
-              <a:rPr lang="es-ES" sz="5400" b="1" dirty="0" smtClean="0">
-                <a:solidFill>
-                  <a:srgbClr val="FF0000"/>
-                </a:solidFill>
-              </a:rPr>
-              <a:t> </a:t>
-            </a:r>
-            <a:r>
-              <a:rPr lang="es-ES" sz="5400" b="1" dirty="0" err="1" smtClean="0">
-                <a:solidFill>
-                  <a:srgbClr val="FF0000"/>
-                </a:solidFill>
-              </a:rPr>
+              <a:rPr lang="es-ES" sz="5400" b="1" dirty="0"/>
+              <a:t> </a:t>
+            </a:r>
+            <a:r>
+              <a:rPr lang="es-ES" sz="5400" b="1" dirty="0" err="1"/>
               <a:t>Jeso</a:t>
             </a:r>
             <a:r>
-              <a:rPr lang="es-ES" sz="5400" b="1" dirty="0" smtClean="0">
-                <a:solidFill>
-                  <a:srgbClr val="FF0000"/>
-                </a:solidFill>
-              </a:rPr>
+              <a:rPr lang="es-ES" sz="5400" b="1" dirty="0"/>
               <a:t> </a:t>
             </a:r>
           </a:p>
           <a:p>
             <a:pPr algn="ctr"/>
             <a:r>
-              <a:rPr lang="fr-FR" sz="5400" b="1" dirty="0" err="1" smtClean="0">
-                <a:solidFill>
-                  <a:srgbClr val="FF0000"/>
-                </a:solidFill>
-              </a:rPr>
+              <a:rPr lang="fr-FR" sz="5400" b="1" dirty="0" err="1"/>
               <a:t>Enga</a:t>
             </a:r>
             <a:r>
-              <a:rPr lang="fr-FR" sz="5400" b="1" dirty="0" smtClean="0">
-                <a:solidFill>
-                  <a:srgbClr val="FF0000"/>
-                </a:solidFill>
-              </a:rPr>
-              <a:t> </a:t>
-            </a:r>
-            <a:r>
-              <a:rPr lang="fr-FR" sz="5400" b="1" dirty="0" err="1" smtClean="0">
-                <a:solidFill>
-                  <a:srgbClr val="FF0000"/>
-                </a:solidFill>
-              </a:rPr>
+              <a:rPr lang="fr-FR" sz="5400" b="1" dirty="0"/>
+              <a:t> </a:t>
+            </a:r>
+            <a:r>
+              <a:rPr lang="fr-FR" sz="5400" b="1" dirty="0" err="1"/>
               <a:t>anie</a:t>
             </a:r>
             <a:r>
-              <a:rPr lang="fr-FR" sz="5400" b="1" dirty="0" smtClean="0">
-                <a:solidFill>
-                  <a:srgbClr val="FF0000"/>
-                </a:solidFill>
-              </a:rPr>
+              <a:rPr lang="fr-FR" sz="5400" b="1" dirty="0"/>
               <a:t> ka </a:t>
             </a:r>
             <a:r>
-              <a:rPr lang="fr-FR" sz="5400" b="1" dirty="0" err="1" smtClean="0">
-                <a:solidFill>
-                  <a:srgbClr val="FF0000"/>
-                </a:solidFill>
-              </a:rPr>
+              <a:rPr lang="fr-FR" sz="5400" b="1" dirty="0" err="1"/>
               <a:t>homba</a:t>
             </a:r>
             <a:r>
-              <a:rPr lang="fr-FR" sz="5400" b="1" dirty="0" smtClean="0">
-                <a:solidFill>
-                  <a:srgbClr val="FF0000"/>
-                </a:solidFill>
-              </a:rPr>
-              <a:t> </a:t>
-            </a:r>
-            <a:r>
-              <a:rPr lang="fr-FR" sz="5400" b="1" dirty="0" err="1" smtClean="0">
-                <a:solidFill>
-                  <a:srgbClr val="FF0000"/>
-                </a:solidFill>
-              </a:rPr>
+              <a:rPr lang="fr-FR" sz="5400" b="1" dirty="0"/>
+              <a:t> </a:t>
+            </a:r>
+            <a:r>
+              <a:rPr lang="fr-FR" sz="5400" b="1" dirty="0" err="1"/>
               <a:t>anao</a:t>
             </a:r>
             <a:r>
-              <a:rPr lang="fr-FR" sz="5400" b="1" dirty="0" smtClean="0">
-                <a:solidFill>
-                  <a:srgbClr val="FF0000"/>
-                </a:solidFill>
-              </a:rPr>
-              <a:t> </a:t>
-            </a:r>
-            <a:r>
-              <a:rPr lang="fr-FR" sz="5400" b="1" dirty="0" err="1" smtClean="0">
-                <a:solidFill>
-                  <a:srgbClr val="FF0000"/>
-                </a:solidFill>
-              </a:rPr>
+              <a:rPr lang="fr-FR" sz="5400" b="1" dirty="0"/>
+              <a:t> </a:t>
+            </a:r>
+            <a:r>
+              <a:rPr lang="fr-FR" sz="5400" b="1" dirty="0" err="1"/>
               <a:t>Jeso</a:t>
             </a:r>
-            <a:endParaRPr lang="fr-FR" sz="5400" b="1" dirty="0">
-              <a:solidFill>
-                <a:srgbClr val="FF0000"/>
-              </a:solidFill>
-            </a:endParaRPr>
+            <a:endParaRPr lang="fr-FR" sz="5400" b="1" dirty="0"/>
           </a:p>
         </p:txBody>
       </p:sp>
@@ -3683,13 +3519,6 @@
   <p:clrMapOvr>
     <a:masterClrMapping/>
   </p:clrMapOvr>
-  <p:timing>
-    <p:tnLst>
-      <p:par>
-        <p:cTn id="1" dur="indefinite" restart="never" nodeType="tmRoot"/>
-      </p:par>
-    </p:tnLst>
-  </p:timing>
 </p:sld>
 </file>
 
@@ -3733,112 +3562,112 @@
           <a:p>
             <a:pPr algn="ctr"/>
             <a:r>
-              <a:rPr lang="fr-FR" sz="5400" b="1" dirty="0" smtClean="0"/>
+              <a:rPr lang="fr-FR" sz="5400" b="1" dirty="0"/>
               <a:t>6. </a:t>
             </a:r>
             <a:r>
-              <a:rPr lang="fr-FR" sz="5400" b="1" dirty="0" err="1" smtClean="0"/>
+              <a:rPr lang="fr-FR" sz="5400" b="1" dirty="0" err="1"/>
               <a:t>Raha</a:t>
             </a:r>
             <a:r>
-              <a:rPr lang="fr-FR" sz="5400" b="1" dirty="0" smtClean="0"/>
-              <a:t> </a:t>
-            </a:r>
-            <a:r>
-              <a:rPr lang="fr-FR" sz="5400" b="1" dirty="0" err="1" smtClean="0"/>
+              <a:rPr lang="fr-FR" sz="5400" b="1" dirty="0"/>
+              <a:t> </a:t>
+            </a:r>
+            <a:r>
+              <a:rPr lang="fr-FR" sz="5400" b="1" dirty="0" err="1"/>
               <a:t>Jesosy</a:t>
             </a:r>
             <a:r>
-              <a:rPr lang="fr-FR" sz="5400" b="1" dirty="0" smtClean="0"/>
+              <a:rPr lang="fr-FR" sz="5400" b="1" dirty="0"/>
               <a:t> no </a:t>
             </a:r>
             <a:r>
-              <a:rPr lang="fr-FR" sz="5400" b="1" dirty="0" err="1" smtClean="0"/>
+              <a:rPr lang="fr-FR" sz="5400" b="1" dirty="0" err="1"/>
               <a:t>mitantana</a:t>
             </a:r>
             <a:r>
-              <a:rPr lang="fr-FR" sz="5400" b="1" dirty="0" smtClean="0"/>
+              <a:rPr lang="fr-FR" sz="5400" b="1" dirty="0"/>
               <a:t>, </a:t>
             </a:r>
           </a:p>
           <a:p>
             <a:pPr algn="ctr"/>
             <a:r>
-              <a:rPr lang="fr-FR" sz="5400" b="1" dirty="0" err="1" smtClean="0"/>
+              <a:rPr lang="fr-FR" sz="5400" b="1" dirty="0" err="1"/>
               <a:t>Paradisa</a:t>
             </a:r>
             <a:r>
-              <a:rPr lang="fr-FR" sz="5400" b="1" dirty="0" smtClean="0"/>
-              <a:t> </a:t>
-            </a:r>
-            <a:r>
-              <a:rPr lang="fr-FR" sz="5400" b="1" dirty="0" err="1" smtClean="0"/>
+              <a:rPr lang="fr-FR" sz="5400" b="1" dirty="0"/>
+              <a:t> </a:t>
+            </a:r>
+            <a:r>
+              <a:rPr lang="fr-FR" sz="5400" b="1" dirty="0" err="1"/>
               <a:t>koa</a:t>
             </a:r>
             <a:r>
-              <a:rPr lang="fr-FR" sz="5400" b="1" dirty="0" smtClean="0"/>
-              <a:t> </a:t>
-            </a:r>
-            <a:r>
-              <a:rPr lang="fr-FR" sz="5400" b="1" dirty="0" err="1" smtClean="0"/>
+              <a:rPr lang="fr-FR" sz="5400" b="1" dirty="0"/>
+              <a:t> </a:t>
+            </a:r>
+            <a:r>
+              <a:rPr lang="fr-FR" sz="5400" b="1" dirty="0" err="1"/>
               <a:t>ny</a:t>
             </a:r>
             <a:r>
-              <a:rPr lang="fr-FR" sz="5400" b="1" dirty="0" smtClean="0"/>
-              <a:t> </a:t>
-            </a:r>
-            <a:r>
-              <a:rPr lang="fr-FR" sz="5400" b="1" dirty="0" err="1" smtClean="0"/>
+              <a:rPr lang="fr-FR" sz="5400" b="1" dirty="0"/>
+              <a:t> </a:t>
+            </a:r>
+            <a:r>
+              <a:rPr lang="fr-FR" sz="5400" b="1" dirty="0" err="1"/>
               <a:t>tany</a:t>
             </a:r>
             <a:r>
-              <a:rPr lang="fr-FR" sz="5400" b="1" dirty="0" smtClean="0"/>
+              <a:rPr lang="fr-FR" sz="5400" b="1" dirty="0"/>
               <a:t>, </a:t>
             </a:r>
           </a:p>
           <a:p>
             <a:pPr algn="ctr"/>
             <a:r>
-              <a:rPr lang="fr-FR" sz="5400" b="1" dirty="0" err="1" smtClean="0"/>
+              <a:rPr lang="fr-FR" sz="5400" b="1" dirty="0" err="1"/>
               <a:t>Hasambarana</a:t>
             </a:r>
             <a:r>
-              <a:rPr lang="fr-FR" sz="5400" b="1" dirty="0" smtClean="0"/>
-              <a:t> </a:t>
-            </a:r>
-            <a:r>
-              <a:rPr lang="fr-FR" sz="5400" b="1" dirty="0" err="1" smtClean="0"/>
+              <a:rPr lang="fr-FR" sz="5400" b="1" dirty="0"/>
+              <a:t> </a:t>
+            </a:r>
+            <a:r>
+              <a:rPr lang="fr-FR" sz="5400" b="1" dirty="0" err="1"/>
               <a:t>hatrany</a:t>
             </a:r>
             <a:r>
-              <a:rPr lang="fr-FR" sz="5400" b="1" dirty="0" smtClean="0"/>
+              <a:rPr lang="fr-FR" sz="5400" b="1" dirty="0"/>
               <a:t>, </a:t>
             </a:r>
           </a:p>
           <a:p>
             <a:pPr algn="ctr"/>
             <a:r>
-              <a:rPr lang="fr-FR" sz="5400" b="1" dirty="0" err="1" smtClean="0"/>
+              <a:rPr lang="fr-FR" sz="5400" b="1" dirty="0" err="1"/>
               <a:t>Ao</a:t>
             </a:r>
             <a:r>
-              <a:rPr lang="fr-FR" sz="5400" b="1" dirty="0" smtClean="0"/>
-              <a:t> </a:t>
-            </a:r>
-            <a:r>
-              <a:rPr lang="fr-FR" sz="5400" b="1" dirty="0" err="1" smtClean="0"/>
+              <a:rPr lang="fr-FR" sz="5400" b="1" dirty="0"/>
+              <a:t> </a:t>
+            </a:r>
+            <a:r>
+              <a:rPr lang="fr-FR" sz="5400" b="1" dirty="0" err="1"/>
               <a:t>Kanana</a:t>
             </a:r>
             <a:r>
-              <a:rPr lang="fr-FR" sz="5400" b="1" dirty="0" smtClean="0"/>
+              <a:rPr lang="fr-FR" sz="5400" b="1" dirty="0"/>
               <a:t> no </a:t>
             </a:r>
             <a:r>
-              <a:rPr lang="fr-FR" sz="5400" b="1" dirty="0" err="1" smtClean="0"/>
+              <a:rPr lang="fr-FR" sz="5400" b="1" dirty="0" err="1"/>
               <a:t>hamantana</a:t>
             </a:r>
             <a:r>
-              <a:rPr lang="fr-FR" sz="5400" b="1" dirty="0" smtClean="0"/>
+              <a:rPr lang="fr-FR" sz="5400" b="1" dirty="0"/>
               <a:t>. </a:t>
             </a:r>
           </a:p>
@@ -3892,315 +3721,163 @@
           <a:p>
             <a:pPr algn="ctr"/>
             <a:r>
-              <a:rPr lang="es-ES" sz="5400" b="1" dirty="0" err="1" smtClean="0">
-                <a:solidFill>
-                  <a:srgbClr val="FF0000"/>
-                </a:solidFill>
-              </a:rPr>
+              <a:rPr lang="es-ES" sz="5400" b="1" dirty="0" err="1"/>
               <a:t>Homba</a:t>
             </a:r>
             <a:r>
-              <a:rPr lang="es-ES" sz="5400" b="1" dirty="0" smtClean="0">
-                <a:solidFill>
-                  <a:srgbClr val="FF0000"/>
-                </a:solidFill>
-              </a:rPr>
-              <a:t> </a:t>
-            </a:r>
-            <a:r>
-              <a:rPr lang="es-ES" sz="5400" b="1" dirty="0" err="1" smtClean="0">
-                <a:solidFill>
-                  <a:srgbClr val="FF0000"/>
-                </a:solidFill>
-              </a:rPr>
+              <a:rPr lang="es-ES" sz="5400" b="1" dirty="0"/>
+              <a:t> </a:t>
+            </a:r>
+            <a:r>
+              <a:rPr lang="es-ES" sz="5400" b="1" dirty="0" err="1"/>
               <a:t>anao</a:t>
             </a:r>
             <a:r>
-              <a:rPr lang="es-ES" sz="5400" b="1" dirty="0" smtClean="0">
-                <a:solidFill>
-                  <a:srgbClr val="FF0000"/>
-                </a:solidFill>
-              </a:rPr>
+              <a:rPr lang="es-ES" sz="5400" b="1" dirty="0"/>
               <a:t>, </a:t>
             </a:r>
             <a:r>
-              <a:rPr lang="es-ES" sz="5400" b="1" dirty="0" err="1" smtClean="0">
-                <a:solidFill>
-                  <a:srgbClr val="FF0000"/>
-                </a:solidFill>
-              </a:rPr>
+              <a:rPr lang="es-ES" sz="5400" b="1" dirty="0" err="1"/>
               <a:t>Homba</a:t>
             </a:r>
             <a:r>
-              <a:rPr lang="es-ES" sz="5400" b="1" dirty="0" smtClean="0">
-                <a:solidFill>
-                  <a:srgbClr val="FF0000"/>
-                </a:solidFill>
-              </a:rPr>
-              <a:t> </a:t>
-            </a:r>
-            <a:r>
-              <a:rPr lang="es-ES" sz="5400" b="1" dirty="0" err="1" smtClean="0">
-                <a:solidFill>
-                  <a:srgbClr val="FF0000"/>
-                </a:solidFill>
-              </a:rPr>
+              <a:rPr lang="es-ES" sz="5400" b="1" dirty="0"/>
+              <a:t> </a:t>
+            </a:r>
+            <a:r>
+              <a:rPr lang="es-ES" sz="5400" b="1" dirty="0" err="1"/>
               <a:t>anao</a:t>
             </a:r>
             <a:r>
-              <a:rPr lang="es-ES" sz="5400" b="1" dirty="0" smtClean="0">
-                <a:solidFill>
-                  <a:srgbClr val="FF0000"/>
-                </a:solidFill>
-              </a:rPr>
-              <a:t> </a:t>
-            </a:r>
-            <a:r>
-              <a:rPr lang="es-ES" sz="5400" b="1" dirty="0" err="1" smtClean="0">
-                <a:solidFill>
-                  <a:srgbClr val="FF0000"/>
-                </a:solidFill>
-              </a:rPr>
+              <a:rPr lang="es-ES" sz="5400" b="1" dirty="0"/>
+              <a:t> </a:t>
+            </a:r>
+            <a:r>
+              <a:rPr lang="es-ES" sz="5400" b="1" dirty="0" err="1"/>
               <a:t>Jeso</a:t>
             </a:r>
             <a:r>
-              <a:rPr lang="es-ES" sz="5400" b="1" dirty="0" smtClean="0">
-                <a:solidFill>
-                  <a:srgbClr val="FF0000"/>
-                </a:solidFill>
-              </a:rPr>
+              <a:rPr lang="es-ES" sz="5400" b="1" dirty="0"/>
               <a:t> </a:t>
             </a:r>
           </a:p>
           <a:p>
             <a:pPr algn="ctr"/>
             <a:r>
-              <a:rPr lang="fr-FR" sz="5400" b="1" dirty="0" err="1" smtClean="0">
-                <a:solidFill>
-                  <a:srgbClr val="FF0000"/>
-                </a:solidFill>
-              </a:rPr>
+              <a:rPr lang="fr-FR" sz="5400" b="1" dirty="0" err="1"/>
               <a:t>Homba</a:t>
             </a:r>
             <a:r>
-              <a:rPr lang="fr-FR" sz="5400" b="1" dirty="0" smtClean="0">
-                <a:solidFill>
-                  <a:srgbClr val="FF0000"/>
-                </a:solidFill>
-              </a:rPr>
-              <a:t> </a:t>
-            </a:r>
-            <a:r>
-              <a:rPr lang="fr-FR" sz="5400" b="1" dirty="0" err="1" smtClean="0">
-                <a:solidFill>
-                  <a:srgbClr val="FF0000"/>
-                </a:solidFill>
-              </a:rPr>
+              <a:rPr lang="fr-FR" sz="5400" b="1" dirty="0"/>
+              <a:t> </a:t>
+            </a:r>
+            <a:r>
+              <a:rPr lang="fr-FR" sz="5400" b="1" dirty="0" err="1"/>
               <a:t>anao</a:t>
             </a:r>
             <a:r>
-              <a:rPr lang="fr-FR" sz="5400" b="1" dirty="0" smtClean="0">
-                <a:solidFill>
-                  <a:srgbClr val="FF0000"/>
-                </a:solidFill>
-              </a:rPr>
-              <a:t> </a:t>
-            </a:r>
-            <a:r>
-              <a:rPr lang="fr-FR" sz="5400" b="1" dirty="0" err="1" smtClean="0">
-                <a:solidFill>
-                  <a:srgbClr val="FF0000"/>
-                </a:solidFill>
-              </a:rPr>
+              <a:rPr lang="fr-FR" sz="5400" b="1" dirty="0"/>
+              <a:t> </a:t>
+            </a:r>
+            <a:r>
+              <a:rPr lang="fr-FR" sz="5400" b="1" dirty="0" err="1"/>
               <a:t>anie</a:t>
             </a:r>
             <a:r>
-              <a:rPr lang="fr-FR" sz="5400" b="1" dirty="0" smtClean="0">
-                <a:solidFill>
-                  <a:srgbClr val="FF0000"/>
-                </a:solidFill>
-              </a:rPr>
-              <a:t> </a:t>
-            </a:r>
-            <a:r>
-              <a:rPr lang="fr-FR" sz="5400" b="1" dirty="0" err="1" smtClean="0">
-                <a:solidFill>
-                  <a:srgbClr val="FF0000"/>
-                </a:solidFill>
-              </a:rPr>
+              <a:rPr lang="fr-FR" sz="5400" b="1" dirty="0"/>
+              <a:t> </a:t>
+            </a:r>
+            <a:r>
+              <a:rPr lang="fr-FR" sz="5400" b="1" dirty="0" err="1"/>
               <a:t>Jeso</a:t>
             </a:r>
             <a:r>
-              <a:rPr lang="fr-FR" sz="5400" b="1" dirty="0" smtClean="0">
-                <a:solidFill>
-                  <a:srgbClr val="FF0000"/>
-                </a:solidFill>
-              </a:rPr>
+              <a:rPr lang="fr-FR" sz="5400" b="1" dirty="0"/>
               <a:t>, </a:t>
             </a:r>
           </a:p>
           <a:p>
             <a:pPr algn="ctr"/>
             <a:r>
-              <a:rPr lang="es-ES" sz="5400" b="1" dirty="0" err="1" smtClean="0">
-                <a:solidFill>
-                  <a:srgbClr val="FF0000"/>
-                </a:solidFill>
-              </a:rPr>
+              <a:rPr lang="es-ES" sz="5400" b="1" dirty="0" err="1"/>
               <a:t>Homba</a:t>
             </a:r>
             <a:r>
-              <a:rPr lang="es-ES" sz="5400" b="1" dirty="0" smtClean="0">
-                <a:solidFill>
-                  <a:srgbClr val="FF0000"/>
-                </a:solidFill>
-              </a:rPr>
-              <a:t> </a:t>
-            </a:r>
-            <a:r>
-              <a:rPr lang="es-ES" sz="5400" b="1" dirty="0" err="1" smtClean="0">
-                <a:solidFill>
-                  <a:srgbClr val="FF0000"/>
-                </a:solidFill>
-              </a:rPr>
+              <a:rPr lang="es-ES" sz="5400" b="1" dirty="0"/>
+              <a:t> </a:t>
+            </a:r>
+            <a:r>
+              <a:rPr lang="es-ES" sz="5400" b="1" dirty="0" err="1"/>
               <a:t>anao</a:t>
             </a:r>
             <a:r>
-              <a:rPr lang="es-ES" sz="5400" b="1" dirty="0" smtClean="0">
-                <a:solidFill>
-                  <a:srgbClr val="FF0000"/>
-                </a:solidFill>
-              </a:rPr>
+              <a:rPr lang="es-ES" sz="5400" b="1" dirty="0"/>
               <a:t>, </a:t>
             </a:r>
             <a:r>
-              <a:rPr lang="es-ES" sz="5400" b="1" dirty="0" err="1" smtClean="0">
-                <a:solidFill>
-                  <a:srgbClr val="FF0000"/>
-                </a:solidFill>
-              </a:rPr>
+              <a:rPr lang="es-ES" sz="5400" b="1" dirty="0" err="1"/>
               <a:t>Homba</a:t>
             </a:r>
             <a:r>
-              <a:rPr lang="es-ES" sz="5400" b="1" dirty="0" smtClean="0">
-                <a:solidFill>
-                  <a:srgbClr val="FF0000"/>
-                </a:solidFill>
-              </a:rPr>
-              <a:t> </a:t>
-            </a:r>
-            <a:r>
-              <a:rPr lang="es-ES" sz="5400" b="1" dirty="0" err="1" smtClean="0">
-                <a:solidFill>
-                  <a:srgbClr val="FF0000"/>
-                </a:solidFill>
-              </a:rPr>
+              <a:rPr lang="es-ES" sz="5400" b="1" dirty="0"/>
+              <a:t> </a:t>
+            </a:r>
+            <a:r>
+              <a:rPr lang="es-ES" sz="5400" b="1" dirty="0" err="1"/>
               <a:t>anao</a:t>
             </a:r>
             <a:r>
-              <a:rPr lang="es-ES" sz="5400" b="1" dirty="0" smtClean="0">
-                <a:solidFill>
-                  <a:srgbClr val="FF0000"/>
-                </a:solidFill>
-              </a:rPr>
-              <a:t> </a:t>
-            </a:r>
-            <a:r>
-              <a:rPr lang="es-ES" sz="5400" b="1" dirty="0" err="1" smtClean="0">
-                <a:solidFill>
-                  <a:srgbClr val="FF0000"/>
-                </a:solidFill>
-              </a:rPr>
+              <a:rPr lang="es-ES" sz="5400" b="1" dirty="0"/>
+              <a:t> </a:t>
+            </a:r>
+            <a:r>
+              <a:rPr lang="es-ES" sz="5400" b="1" dirty="0" err="1"/>
               <a:t>Jeso</a:t>
             </a:r>
             <a:r>
-              <a:rPr lang="es-ES" sz="5400" b="1" dirty="0" smtClean="0">
-                <a:solidFill>
-                  <a:srgbClr val="FF0000"/>
-                </a:solidFill>
-              </a:rPr>
+              <a:rPr lang="es-ES" sz="5400" b="1" dirty="0"/>
               <a:t> </a:t>
             </a:r>
           </a:p>
           <a:p>
             <a:pPr algn="ctr"/>
             <a:r>
-              <a:rPr lang="fr-FR" sz="5400" b="1" dirty="0" err="1" smtClean="0">
-                <a:solidFill>
-                  <a:srgbClr val="FF0000"/>
-                </a:solidFill>
-              </a:rPr>
+              <a:rPr lang="fr-FR" sz="5400" b="1" dirty="0" err="1"/>
               <a:t>Enga</a:t>
             </a:r>
             <a:r>
-              <a:rPr lang="fr-FR" sz="5400" b="1" dirty="0" smtClean="0">
-                <a:solidFill>
-                  <a:srgbClr val="FF0000"/>
-                </a:solidFill>
-              </a:rPr>
-              <a:t> </a:t>
-            </a:r>
-            <a:r>
-              <a:rPr lang="fr-FR" sz="5400" b="1" dirty="0" err="1" smtClean="0">
-                <a:solidFill>
-                  <a:srgbClr val="FF0000"/>
-                </a:solidFill>
-              </a:rPr>
+              <a:rPr lang="fr-FR" sz="5400" b="1" dirty="0"/>
+              <a:t> </a:t>
+            </a:r>
+            <a:r>
+              <a:rPr lang="fr-FR" sz="5400" b="1" dirty="0" err="1"/>
               <a:t>anie</a:t>
             </a:r>
             <a:r>
-              <a:rPr lang="fr-FR" sz="5400" b="1" dirty="0" smtClean="0">
-                <a:solidFill>
-                  <a:srgbClr val="FF0000"/>
-                </a:solidFill>
-              </a:rPr>
+              <a:rPr lang="fr-FR" sz="5400" b="1" dirty="0"/>
               <a:t> ka </a:t>
             </a:r>
             <a:r>
-              <a:rPr lang="fr-FR" sz="5400" b="1" dirty="0" err="1" smtClean="0">
-                <a:solidFill>
-                  <a:srgbClr val="FF0000"/>
-                </a:solidFill>
-              </a:rPr>
+              <a:rPr lang="fr-FR" sz="5400" b="1" dirty="0" err="1"/>
               <a:t>homba</a:t>
             </a:r>
             <a:r>
-              <a:rPr lang="fr-FR" sz="5400" b="1" dirty="0" smtClean="0">
-                <a:solidFill>
-                  <a:srgbClr val="FF0000"/>
-                </a:solidFill>
-              </a:rPr>
-              <a:t> </a:t>
-            </a:r>
-            <a:r>
-              <a:rPr lang="fr-FR" sz="5400" b="1" dirty="0" err="1" smtClean="0">
-                <a:solidFill>
-                  <a:srgbClr val="FF0000"/>
-                </a:solidFill>
-              </a:rPr>
+              <a:rPr lang="fr-FR" sz="5400" b="1" dirty="0"/>
+              <a:t> </a:t>
+            </a:r>
+            <a:r>
+              <a:rPr lang="fr-FR" sz="5400" b="1" dirty="0" err="1"/>
               <a:t>anao</a:t>
             </a:r>
             <a:r>
-              <a:rPr lang="fr-FR" sz="5400" b="1" dirty="0" smtClean="0">
-                <a:solidFill>
-                  <a:srgbClr val="FF0000"/>
-                </a:solidFill>
-              </a:rPr>
-              <a:t> </a:t>
-            </a:r>
-            <a:r>
-              <a:rPr lang="fr-FR" sz="5400" b="1" dirty="0" err="1" smtClean="0">
-                <a:solidFill>
-                  <a:srgbClr val="FF0000"/>
-                </a:solidFill>
-              </a:rPr>
+              <a:rPr lang="fr-FR" sz="5400" b="1" dirty="0"/>
+              <a:t> </a:t>
+            </a:r>
+            <a:r>
+              <a:rPr lang="fr-FR" sz="5400" b="1" dirty="0" err="1"/>
               <a:t>Jeso</a:t>
             </a:r>
-            <a:endParaRPr lang="fr-FR" sz="5400" b="1" dirty="0">
-              <a:solidFill>
-                <a:srgbClr val="FF0000"/>
-              </a:solidFill>
-            </a:endParaRPr>
+            <a:endParaRPr lang="fr-FR" sz="5400" b="1" dirty="0"/>
           </a:p>
         </p:txBody>
       </p:sp>
@@ -4209,13 +3886,6 @@
   <p:clrMapOvr>
     <a:masterClrMapping/>
   </p:clrMapOvr>
-  <p:timing>
-    <p:tnLst>
-      <p:par>
-        <p:cTn id="1" dur="indefinite" restart="never" nodeType="tmRoot"/>
-      </p:par>
-    </p:tnLst>
-  </p:timing>
 </p:sld>
 </file>
 
@@ -4259,136 +3929,136 @@
           <a:p>
             <a:pPr algn="ctr"/>
             <a:r>
-              <a:rPr lang="fr-FR" sz="4800" b="1" dirty="0" smtClean="0"/>
+              <a:rPr lang="fr-FR" sz="4800" b="1" dirty="0"/>
               <a:t>1. </a:t>
             </a:r>
             <a:r>
-              <a:rPr lang="fr-FR" sz="4800" b="1" dirty="0" err="1" smtClean="0"/>
+              <a:rPr lang="fr-FR" sz="4800" b="1" dirty="0" err="1"/>
               <a:t>Enga</a:t>
             </a:r>
             <a:r>
-              <a:rPr lang="fr-FR" sz="4800" b="1" dirty="0" smtClean="0"/>
-              <a:t> </a:t>
-            </a:r>
-            <a:r>
-              <a:rPr lang="fr-FR" sz="4800" b="1" dirty="0" err="1" smtClean="0"/>
+              <a:rPr lang="fr-FR" sz="4800" b="1" dirty="0"/>
+              <a:t> </a:t>
+            </a:r>
+            <a:r>
+              <a:rPr lang="fr-FR" sz="4800" b="1" dirty="0" err="1"/>
               <a:t>anie</a:t>
             </a:r>
             <a:r>
-              <a:rPr lang="fr-FR" sz="4800" b="1" dirty="0" smtClean="0"/>
+              <a:rPr lang="fr-FR" sz="4800" b="1" dirty="0"/>
               <a:t> ka </a:t>
             </a:r>
             <a:r>
-              <a:rPr lang="fr-FR" sz="4800" b="1" dirty="0" err="1" smtClean="0"/>
+              <a:rPr lang="fr-FR" sz="4800" b="1" dirty="0" err="1"/>
               <a:t>homba</a:t>
             </a:r>
             <a:r>
-              <a:rPr lang="fr-FR" sz="4800" b="1" dirty="0" smtClean="0"/>
-              <a:t> </a:t>
-            </a:r>
-            <a:r>
-              <a:rPr lang="fr-FR" sz="4800" b="1" dirty="0" err="1" smtClean="0"/>
+              <a:rPr lang="fr-FR" sz="4800" b="1" dirty="0"/>
+              <a:t> </a:t>
+            </a:r>
+            <a:r>
+              <a:rPr lang="fr-FR" sz="4800" b="1" dirty="0" err="1"/>
               <a:t>anao</a:t>
             </a:r>
             <a:r>
-              <a:rPr lang="fr-FR" sz="4800" b="1" dirty="0" smtClean="0"/>
-              <a:t> </a:t>
-            </a:r>
-            <a:r>
-              <a:rPr lang="fr-FR" sz="4800" b="1" dirty="0" err="1" smtClean="0"/>
+              <a:rPr lang="fr-FR" sz="4800" b="1" dirty="0"/>
+              <a:t> </a:t>
+            </a:r>
+            <a:r>
+              <a:rPr lang="fr-FR" sz="4800" b="1" dirty="0" err="1"/>
               <a:t>Jeso</a:t>
             </a:r>
             <a:r>
-              <a:rPr lang="fr-FR" sz="4800" b="1" dirty="0" smtClean="0"/>
+              <a:rPr lang="fr-FR" sz="4800" b="1" dirty="0"/>
               <a:t>! </a:t>
             </a:r>
           </a:p>
           <a:p>
             <a:pPr algn="ctr"/>
             <a:r>
-              <a:rPr lang="fr-FR" sz="4800" b="1" dirty="0" err="1" smtClean="0"/>
+              <a:rPr lang="fr-FR" sz="4800" b="1" dirty="0" err="1"/>
               <a:t>Hanadio</a:t>
             </a:r>
             <a:r>
-              <a:rPr lang="fr-FR" sz="4800" b="1" dirty="0" smtClean="0"/>
-              <a:t> </a:t>
-            </a:r>
-            <a:r>
-              <a:rPr lang="fr-FR" sz="4800" b="1" dirty="0" err="1" smtClean="0"/>
+              <a:rPr lang="fr-FR" sz="4800" b="1" dirty="0"/>
+              <a:t> </a:t>
+            </a:r>
+            <a:r>
+              <a:rPr lang="fr-FR" sz="4800" b="1" dirty="0" err="1"/>
               <a:t>sy</a:t>
             </a:r>
             <a:r>
-              <a:rPr lang="fr-FR" sz="4800" b="1" dirty="0" smtClean="0"/>
-              <a:t> </a:t>
-            </a:r>
-            <a:r>
-              <a:rPr lang="fr-FR" sz="4800" b="1" dirty="0" err="1" smtClean="0"/>
+              <a:rPr lang="fr-FR" sz="4800" b="1" dirty="0"/>
+              <a:t> </a:t>
+            </a:r>
+            <a:r>
+              <a:rPr lang="fr-FR" sz="4800" b="1" dirty="0" err="1"/>
               <a:t>hanazava</a:t>
             </a:r>
             <a:r>
-              <a:rPr lang="fr-FR" sz="4800" b="1" dirty="0" smtClean="0"/>
+              <a:rPr lang="fr-FR" sz="4800" b="1" dirty="0"/>
               <a:t>, </a:t>
             </a:r>
           </a:p>
           <a:p>
             <a:pPr algn="ctr"/>
             <a:r>
-              <a:rPr lang="fr-FR" sz="4800" b="1" dirty="0" err="1" smtClean="0"/>
+              <a:rPr lang="fr-FR" sz="4800" b="1" dirty="0" err="1"/>
               <a:t>Hampahery</a:t>
             </a:r>
             <a:r>
-              <a:rPr lang="fr-FR" sz="4800" b="1" dirty="0" smtClean="0"/>
-              <a:t> </a:t>
-            </a:r>
-            <a:r>
-              <a:rPr lang="fr-FR" sz="4800" b="1" dirty="0" err="1" smtClean="0"/>
+              <a:rPr lang="fr-FR" sz="4800" b="1" dirty="0"/>
+              <a:t> </a:t>
+            </a:r>
+            <a:r>
+              <a:rPr lang="fr-FR" sz="4800" b="1" dirty="0" err="1"/>
               <a:t>lalandava</a:t>
             </a:r>
             <a:r>
-              <a:rPr lang="fr-FR" sz="4800" b="1" dirty="0" smtClean="0"/>
+              <a:rPr lang="fr-FR" sz="4800" b="1" dirty="0"/>
               <a:t> </a:t>
             </a:r>
           </a:p>
           <a:p>
             <a:pPr algn="ctr"/>
             <a:r>
-              <a:rPr lang="fr-FR" sz="4800" b="1" dirty="0" err="1" smtClean="0"/>
+              <a:rPr lang="fr-FR" sz="4800" b="1" dirty="0" err="1"/>
               <a:t>Enga</a:t>
             </a:r>
             <a:r>
-              <a:rPr lang="fr-FR" sz="4800" b="1" dirty="0" smtClean="0"/>
-              <a:t> </a:t>
-            </a:r>
-            <a:r>
-              <a:rPr lang="fr-FR" sz="4800" b="1" dirty="0" err="1" smtClean="0"/>
+              <a:rPr lang="fr-FR" sz="4800" b="1" dirty="0"/>
+              <a:t> </a:t>
+            </a:r>
+            <a:r>
+              <a:rPr lang="fr-FR" sz="4800" b="1" dirty="0" err="1"/>
               <a:t>anie</a:t>
             </a:r>
             <a:r>
-              <a:rPr lang="fr-FR" sz="4800" b="1" dirty="0" smtClean="0"/>
+              <a:rPr lang="fr-FR" sz="4800" b="1" dirty="0"/>
               <a:t> ka </a:t>
             </a:r>
             <a:r>
-              <a:rPr lang="fr-FR" sz="4800" b="1" dirty="0" err="1" smtClean="0"/>
+              <a:rPr lang="fr-FR" sz="4800" b="1" dirty="0" err="1"/>
               <a:t>homba</a:t>
             </a:r>
             <a:r>
-              <a:rPr lang="fr-FR" sz="4800" b="1" dirty="0" smtClean="0"/>
-              <a:t> </a:t>
-            </a:r>
-            <a:r>
-              <a:rPr lang="fr-FR" sz="4800" b="1" dirty="0" err="1" smtClean="0"/>
+              <a:rPr lang="fr-FR" sz="4800" b="1" dirty="0"/>
+              <a:t> </a:t>
+            </a:r>
+            <a:r>
+              <a:rPr lang="fr-FR" sz="4800" b="1" dirty="0" err="1"/>
               <a:t>anao</a:t>
             </a:r>
             <a:r>
-              <a:rPr lang="fr-FR" sz="4800" b="1" dirty="0" smtClean="0"/>
-              <a:t> </a:t>
-            </a:r>
-            <a:r>
-              <a:rPr lang="fr-FR" sz="4800" b="1" dirty="0" err="1" smtClean="0"/>
+              <a:rPr lang="fr-FR" sz="4800" b="1" dirty="0"/>
+              <a:t> </a:t>
+            </a:r>
+            <a:r>
+              <a:rPr lang="fr-FR" sz="4800" b="1" dirty="0" err="1"/>
               <a:t>Jeso</a:t>
             </a:r>
             <a:r>
-              <a:rPr lang="fr-FR" sz="4800" b="1" dirty="0" smtClean="0"/>
+              <a:rPr lang="fr-FR" sz="4800" b="1" dirty="0"/>
               <a:t>! </a:t>
             </a:r>
           </a:p>
@@ -4399,13 +4069,6 @@
   <p:clrMapOvr>
     <a:masterClrMapping/>
   </p:clrMapOvr>
-  <p:timing>
-    <p:tnLst>
-      <p:par>
-        <p:cTn id="1" dur="indefinite" restart="never" nodeType="tmRoot"/>
-      </p:par>
-    </p:tnLst>
-  </p:timing>
 </p:sld>
 </file>
 
@@ -4449,315 +4112,163 @@
           <a:p>
             <a:pPr algn="ctr"/>
             <a:r>
-              <a:rPr lang="es-ES" sz="5400" b="1" dirty="0" err="1" smtClean="0">
-                <a:solidFill>
-                  <a:srgbClr val="FF0000"/>
-                </a:solidFill>
-              </a:rPr>
+              <a:rPr lang="es-ES" sz="5400" b="1" dirty="0" err="1"/>
               <a:t>Homba</a:t>
             </a:r>
             <a:r>
-              <a:rPr lang="es-ES" sz="5400" b="1" dirty="0" smtClean="0">
-                <a:solidFill>
-                  <a:srgbClr val="FF0000"/>
-                </a:solidFill>
-              </a:rPr>
-              <a:t> </a:t>
-            </a:r>
-            <a:r>
-              <a:rPr lang="es-ES" sz="5400" b="1" dirty="0" err="1" smtClean="0">
-                <a:solidFill>
-                  <a:srgbClr val="FF0000"/>
-                </a:solidFill>
-              </a:rPr>
+              <a:rPr lang="es-ES" sz="5400" b="1" dirty="0"/>
+              <a:t> </a:t>
+            </a:r>
+            <a:r>
+              <a:rPr lang="es-ES" sz="5400" b="1" dirty="0" err="1"/>
               <a:t>anao</a:t>
             </a:r>
             <a:r>
-              <a:rPr lang="es-ES" sz="5400" b="1" dirty="0" smtClean="0">
-                <a:solidFill>
-                  <a:srgbClr val="FF0000"/>
-                </a:solidFill>
-              </a:rPr>
+              <a:rPr lang="es-ES" sz="5400" b="1" dirty="0"/>
               <a:t>, </a:t>
             </a:r>
             <a:r>
-              <a:rPr lang="es-ES" sz="5400" b="1" dirty="0" err="1" smtClean="0">
-                <a:solidFill>
-                  <a:srgbClr val="FF0000"/>
-                </a:solidFill>
-              </a:rPr>
+              <a:rPr lang="es-ES" sz="5400" b="1" dirty="0" err="1"/>
               <a:t>Homba</a:t>
             </a:r>
             <a:r>
-              <a:rPr lang="es-ES" sz="5400" b="1" dirty="0" smtClean="0">
-                <a:solidFill>
-                  <a:srgbClr val="FF0000"/>
-                </a:solidFill>
-              </a:rPr>
-              <a:t> </a:t>
-            </a:r>
-            <a:r>
-              <a:rPr lang="es-ES" sz="5400" b="1" dirty="0" err="1" smtClean="0">
-                <a:solidFill>
-                  <a:srgbClr val="FF0000"/>
-                </a:solidFill>
-              </a:rPr>
+              <a:rPr lang="es-ES" sz="5400" b="1" dirty="0"/>
+              <a:t> </a:t>
+            </a:r>
+            <a:r>
+              <a:rPr lang="es-ES" sz="5400" b="1" dirty="0" err="1"/>
               <a:t>anao</a:t>
             </a:r>
             <a:r>
-              <a:rPr lang="es-ES" sz="5400" b="1" dirty="0" smtClean="0">
-                <a:solidFill>
-                  <a:srgbClr val="FF0000"/>
-                </a:solidFill>
-              </a:rPr>
-              <a:t> </a:t>
-            </a:r>
-            <a:r>
-              <a:rPr lang="es-ES" sz="5400" b="1" dirty="0" err="1" smtClean="0">
-                <a:solidFill>
-                  <a:srgbClr val="FF0000"/>
-                </a:solidFill>
-              </a:rPr>
+              <a:rPr lang="es-ES" sz="5400" b="1" dirty="0"/>
+              <a:t> </a:t>
+            </a:r>
+            <a:r>
+              <a:rPr lang="es-ES" sz="5400" b="1" dirty="0" err="1"/>
               <a:t>Jeso</a:t>
             </a:r>
             <a:r>
-              <a:rPr lang="es-ES" sz="5400" b="1" dirty="0" smtClean="0">
-                <a:solidFill>
-                  <a:srgbClr val="FF0000"/>
-                </a:solidFill>
-              </a:rPr>
+              <a:rPr lang="es-ES" sz="5400" b="1" dirty="0"/>
               <a:t> </a:t>
             </a:r>
           </a:p>
           <a:p>
             <a:pPr algn="ctr"/>
             <a:r>
-              <a:rPr lang="fr-FR" sz="5400" b="1" dirty="0" err="1" smtClean="0">
-                <a:solidFill>
-                  <a:srgbClr val="FF0000"/>
-                </a:solidFill>
-              </a:rPr>
+              <a:rPr lang="fr-FR" sz="5400" b="1" dirty="0" err="1"/>
               <a:t>Homba</a:t>
             </a:r>
             <a:r>
-              <a:rPr lang="fr-FR" sz="5400" b="1" dirty="0" smtClean="0">
-                <a:solidFill>
-                  <a:srgbClr val="FF0000"/>
-                </a:solidFill>
-              </a:rPr>
-              <a:t> </a:t>
-            </a:r>
-            <a:r>
-              <a:rPr lang="fr-FR" sz="5400" b="1" dirty="0" err="1" smtClean="0">
-                <a:solidFill>
-                  <a:srgbClr val="FF0000"/>
-                </a:solidFill>
-              </a:rPr>
+              <a:rPr lang="fr-FR" sz="5400" b="1" dirty="0"/>
+              <a:t> </a:t>
+            </a:r>
+            <a:r>
+              <a:rPr lang="fr-FR" sz="5400" b="1" dirty="0" err="1"/>
               <a:t>anao</a:t>
             </a:r>
             <a:r>
-              <a:rPr lang="fr-FR" sz="5400" b="1" dirty="0" smtClean="0">
-                <a:solidFill>
-                  <a:srgbClr val="FF0000"/>
-                </a:solidFill>
-              </a:rPr>
-              <a:t> </a:t>
-            </a:r>
-            <a:r>
-              <a:rPr lang="fr-FR" sz="5400" b="1" dirty="0" err="1" smtClean="0">
-                <a:solidFill>
-                  <a:srgbClr val="FF0000"/>
-                </a:solidFill>
-              </a:rPr>
+              <a:rPr lang="fr-FR" sz="5400" b="1" dirty="0"/>
+              <a:t> </a:t>
+            </a:r>
+            <a:r>
+              <a:rPr lang="fr-FR" sz="5400" b="1" dirty="0" err="1"/>
               <a:t>anie</a:t>
             </a:r>
             <a:r>
-              <a:rPr lang="fr-FR" sz="5400" b="1" dirty="0" smtClean="0">
-                <a:solidFill>
-                  <a:srgbClr val="FF0000"/>
-                </a:solidFill>
-              </a:rPr>
-              <a:t> </a:t>
-            </a:r>
-            <a:r>
-              <a:rPr lang="fr-FR" sz="5400" b="1" dirty="0" err="1" smtClean="0">
-                <a:solidFill>
-                  <a:srgbClr val="FF0000"/>
-                </a:solidFill>
-              </a:rPr>
+              <a:rPr lang="fr-FR" sz="5400" b="1" dirty="0"/>
+              <a:t> </a:t>
+            </a:r>
+            <a:r>
+              <a:rPr lang="fr-FR" sz="5400" b="1" dirty="0" err="1"/>
               <a:t>Jeso</a:t>
             </a:r>
             <a:r>
-              <a:rPr lang="fr-FR" sz="5400" b="1" dirty="0" smtClean="0">
-                <a:solidFill>
-                  <a:srgbClr val="FF0000"/>
-                </a:solidFill>
-              </a:rPr>
+              <a:rPr lang="fr-FR" sz="5400" b="1" dirty="0"/>
               <a:t>, </a:t>
             </a:r>
           </a:p>
           <a:p>
             <a:pPr algn="ctr"/>
             <a:r>
-              <a:rPr lang="es-ES" sz="5400" b="1" dirty="0" err="1" smtClean="0">
-                <a:solidFill>
-                  <a:srgbClr val="FF0000"/>
-                </a:solidFill>
-              </a:rPr>
+              <a:rPr lang="es-ES" sz="5400" b="1" dirty="0" err="1"/>
               <a:t>Homba</a:t>
             </a:r>
             <a:r>
-              <a:rPr lang="es-ES" sz="5400" b="1" dirty="0" smtClean="0">
-                <a:solidFill>
-                  <a:srgbClr val="FF0000"/>
-                </a:solidFill>
-              </a:rPr>
-              <a:t> </a:t>
-            </a:r>
-            <a:r>
-              <a:rPr lang="es-ES" sz="5400" b="1" dirty="0" err="1" smtClean="0">
-                <a:solidFill>
-                  <a:srgbClr val="FF0000"/>
-                </a:solidFill>
-              </a:rPr>
+              <a:rPr lang="es-ES" sz="5400" b="1" dirty="0"/>
+              <a:t> </a:t>
+            </a:r>
+            <a:r>
+              <a:rPr lang="es-ES" sz="5400" b="1" dirty="0" err="1"/>
               <a:t>anao</a:t>
             </a:r>
             <a:r>
-              <a:rPr lang="es-ES" sz="5400" b="1" dirty="0" smtClean="0">
-                <a:solidFill>
-                  <a:srgbClr val="FF0000"/>
-                </a:solidFill>
-              </a:rPr>
+              <a:rPr lang="es-ES" sz="5400" b="1" dirty="0"/>
               <a:t>, </a:t>
             </a:r>
             <a:r>
-              <a:rPr lang="es-ES" sz="5400" b="1" dirty="0" err="1" smtClean="0">
-                <a:solidFill>
-                  <a:srgbClr val="FF0000"/>
-                </a:solidFill>
-              </a:rPr>
+              <a:rPr lang="es-ES" sz="5400" b="1" dirty="0" err="1"/>
               <a:t>Homba</a:t>
             </a:r>
             <a:r>
-              <a:rPr lang="es-ES" sz="5400" b="1" dirty="0" smtClean="0">
-                <a:solidFill>
-                  <a:srgbClr val="FF0000"/>
-                </a:solidFill>
-              </a:rPr>
-              <a:t> </a:t>
-            </a:r>
-            <a:r>
-              <a:rPr lang="es-ES" sz="5400" b="1" dirty="0" err="1" smtClean="0">
-                <a:solidFill>
-                  <a:srgbClr val="FF0000"/>
-                </a:solidFill>
-              </a:rPr>
+              <a:rPr lang="es-ES" sz="5400" b="1" dirty="0"/>
+              <a:t> </a:t>
+            </a:r>
+            <a:r>
+              <a:rPr lang="es-ES" sz="5400" b="1" dirty="0" err="1"/>
               <a:t>anao</a:t>
             </a:r>
             <a:r>
-              <a:rPr lang="es-ES" sz="5400" b="1" dirty="0" smtClean="0">
-                <a:solidFill>
-                  <a:srgbClr val="FF0000"/>
-                </a:solidFill>
-              </a:rPr>
-              <a:t> </a:t>
-            </a:r>
-            <a:r>
-              <a:rPr lang="es-ES" sz="5400" b="1" dirty="0" err="1" smtClean="0">
-                <a:solidFill>
-                  <a:srgbClr val="FF0000"/>
-                </a:solidFill>
-              </a:rPr>
+              <a:rPr lang="es-ES" sz="5400" b="1" dirty="0"/>
+              <a:t> </a:t>
+            </a:r>
+            <a:r>
+              <a:rPr lang="es-ES" sz="5400" b="1" dirty="0" err="1"/>
               <a:t>Jeso</a:t>
             </a:r>
             <a:r>
-              <a:rPr lang="es-ES" sz="5400" b="1" dirty="0" smtClean="0">
-                <a:solidFill>
-                  <a:srgbClr val="FF0000"/>
-                </a:solidFill>
-              </a:rPr>
+              <a:rPr lang="es-ES" sz="5400" b="1" dirty="0"/>
               <a:t> </a:t>
             </a:r>
           </a:p>
           <a:p>
             <a:pPr algn="ctr"/>
             <a:r>
-              <a:rPr lang="fr-FR" sz="5400" b="1" dirty="0" err="1" smtClean="0">
-                <a:solidFill>
-                  <a:srgbClr val="FF0000"/>
-                </a:solidFill>
-              </a:rPr>
+              <a:rPr lang="fr-FR" sz="5400" b="1" dirty="0" err="1"/>
               <a:t>Enga</a:t>
             </a:r>
             <a:r>
-              <a:rPr lang="fr-FR" sz="5400" b="1" dirty="0" smtClean="0">
-                <a:solidFill>
-                  <a:srgbClr val="FF0000"/>
-                </a:solidFill>
-              </a:rPr>
-              <a:t> </a:t>
-            </a:r>
-            <a:r>
-              <a:rPr lang="fr-FR" sz="5400" b="1" dirty="0" err="1" smtClean="0">
-                <a:solidFill>
-                  <a:srgbClr val="FF0000"/>
-                </a:solidFill>
-              </a:rPr>
+              <a:rPr lang="fr-FR" sz="5400" b="1" dirty="0"/>
+              <a:t> </a:t>
+            </a:r>
+            <a:r>
+              <a:rPr lang="fr-FR" sz="5400" b="1" dirty="0" err="1"/>
               <a:t>anie</a:t>
             </a:r>
             <a:r>
-              <a:rPr lang="fr-FR" sz="5400" b="1" dirty="0" smtClean="0">
-                <a:solidFill>
-                  <a:srgbClr val="FF0000"/>
-                </a:solidFill>
-              </a:rPr>
+              <a:rPr lang="fr-FR" sz="5400" b="1" dirty="0"/>
               <a:t> ka </a:t>
             </a:r>
             <a:r>
-              <a:rPr lang="fr-FR" sz="5400" b="1" dirty="0" err="1" smtClean="0">
-                <a:solidFill>
-                  <a:srgbClr val="FF0000"/>
-                </a:solidFill>
-              </a:rPr>
+              <a:rPr lang="fr-FR" sz="5400" b="1" dirty="0" err="1"/>
               <a:t>homba</a:t>
             </a:r>
             <a:r>
-              <a:rPr lang="fr-FR" sz="5400" b="1" dirty="0" smtClean="0">
-                <a:solidFill>
-                  <a:srgbClr val="FF0000"/>
-                </a:solidFill>
-              </a:rPr>
-              <a:t> </a:t>
-            </a:r>
-            <a:r>
-              <a:rPr lang="fr-FR" sz="5400" b="1" dirty="0" err="1" smtClean="0">
-                <a:solidFill>
-                  <a:srgbClr val="FF0000"/>
-                </a:solidFill>
-              </a:rPr>
+              <a:rPr lang="fr-FR" sz="5400" b="1" dirty="0"/>
+              <a:t> </a:t>
+            </a:r>
+            <a:r>
+              <a:rPr lang="fr-FR" sz="5400" b="1" dirty="0" err="1"/>
               <a:t>anao</a:t>
             </a:r>
             <a:r>
-              <a:rPr lang="fr-FR" sz="5400" b="1" dirty="0" smtClean="0">
-                <a:solidFill>
-                  <a:srgbClr val="FF0000"/>
-                </a:solidFill>
-              </a:rPr>
-              <a:t> </a:t>
-            </a:r>
-            <a:r>
-              <a:rPr lang="fr-FR" sz="5400" b="1" dirty="0" err="1" smtClean="0">
-                <a:solidFill>
-                  <a:srgbClr val="FF0000"/>
-                </a:solidFill>
-              </a:rPr>
+              <a:rPr lang="fr-FR" sz="5400" b="1" dirty="0"/>
+              <a:t> </a:t>
+            </a:r>
+            <a:r>
+              <a:rPr lang="fr-FR" sz="5400" b="1" dirty="0" err="1"/>
               <a:t>Jeso</a:t>
             </a:r>
-            <a:endParaRPr lang="fr-FR" sz="5400" b="1" dirty="0">
-              <a:solidFill>
-                <a:srgbClr val="FF0000"/>
-              </a:solidFill>
-            </a:endParaRPr>
+            <a:endParaRPr lang="fr-FR" sz="5400" b="1" dirty="0"/>
           </a:p>
         </p:txBody>
       </p:sp>
@@ -4766,13 +4277,6 @@
   <p:clrMapOvr>
     <a:masterClrMapping/>
   </p:clrMapOvr>
-  <p:timing>
-    <p:tnLst>
-      <p:par>
-        <p:cTn id="1" dur="indefinite" restart="never" nodeType="tmRoot"/>
-      </p:par>
-    </p:tnLst>
-  </p:timing>
 </p:sld>
 </file>
 
@@ -4816,80 +4320,80 @@
           <a:p>
             <a:pPr algn="ctr"/>
             <a:r>
-              <a:rPr lang="fi-FI" sz="5400" b="1" dirty="0" smtClean="0"/>
+              <a:rPr lang="fi-FI" sz="5400" b="1" dirty="0"/>
               <a:t>2. Raha mitambatra ny rahona, </a:t>
             </a:r>
           </a:p>
           <a:p>
             <a:pPr algn="ctr"/>
             <a:r>
-              <a:rPr lang="fr-FR" sz="5400" b="1" dirty="0" smtClean="0"/>
+              <a:rPr lang="fr-FR" sz="5400" b="1" dirty="0"/>
               <a:t>Ka </a:t>
             </a:r>
             <a:r>
-              <a:rPr lang="fr-FR" sz="5400" b="1" dirty="0" err="1" smtClean="0"/>
+              <a:rPr lang="fr-FR" sz="5400" b="1" dirty="0" err="1"/>
               <a:t>mikimpy</a:t>
             </a:r>
             <a:r>
-              <a:rPr lang="fr-FR" sz="5400" b="1" dirty="0" smtClean="0"/>
-              <a:t> </a:t>
-            </a:r>
-            <a:r>
-              <a:rPr lang="fr-FR" sz="5400" b="1" dirty="0" err="1" smtClean="0"/>
+              <a:rPr lang="fr-FR" sz="5400" b="1" dirty="0"/>
+              <a:t> </a:t>
+            </a:r>
+            <a:r>
+              <a:rPr lang="fr-FR" sz="5400" b="1" dirty="0" err="1"/>
               <a:t>ny</a:t>
             </a:r>
             <a:r>
-              <a:rPr lang="fr-FR" sz="5400" b="1" dirty="0" smtClean="0"/>
-              <a:t> </a:t>
-            </a:r>
-            <a:r>
-              <a:rPr lang="fr-FR" sz="5400" b="1" dirty="0" err="1" smtClean="0"/>
+              <a:rPr lang="fr-FR" sz="5400" b="1" dirty="0"/>
+              <a:t> </a:t>
+            </a:r>
+            <a:r>
+              <a:rPr lang="fr-FR" sz="5400" b="1" dirty="0" err="1"/>
               <a:t>masoandro</a:t>
             </a:r>
             <a:r>
-              <a:rPr lang="fr-FR" sz="5400" b="1" dirty="0" smtClean="0"/>
+              <a:rPr lang="fr-FR" sz="5400" b="1" dirty="0"/>
               <a:t>, </a:t>
             </a:r>
           </a:p>
           <a:p>
             <a:pPr algn="ctr"/>
             <a:r>
-              <a:rPr lang="fr-FR" sz="5400" b="1" dirty="0" err="1" smtClean="0"/>
+              <a:rPr lang="fr-FR" sz="5400" b="1" dirty="0" err="1"/>
               <a:t>Raha</a:t>
             </a:r>
             <a:r>
-              <a:rPr lang="fr-FR" sz="5400" b="1" dirty="0" smtClean="0"/>
-              <a:t> </a:t>
-            </a:r>
-            <a:r>
-              <a:rPr lang="fr-FR" sz="5400" b="1" dirty="0" err="1" smtClean="0"/>
+              <a:rPr lang="fr-FR" sz="5400" b="1" dirty="0"/>
+              <a:t> </a:t>
+            </a:r>
+            <a:r>
+              <a:rPr lang="fr-FR" sz="5400" b="1" dirty="0" err="1"/>
               <a:t>Jeso</a:t>
             </a:r>
             <a:r>
-              <a:rPr lang="fr-FR" sz="5400" b="1" dirty="0" smtClean="0"/>
-              <a:t> </a:t>
-            </a:r>
-            <a:r>
-              <a:rPr lang="fr-FR" sz="5400" b="1" dirty="0" err="1" smtClean="0"/>
+              <a:rPr lang="fr-FR" sz="5400" b="1" dirty="0"/>
+              <a:t> </a:t>
+            </a:r>
+            <a:r>
+              <a:rPr lang="fr-FR" sz="5400" b="1" dirty="0" err="1"/>
               <a:t>momba</a:t>
             </a:r>
             <a:r>
-              <a:rPr lang="fr-FR" sz="5400" b="1" dirty="0" smtClean="0"/>
-              <a:t> </a:t>
-            </a:r>
-            <a:r>
-              <a:rPr lang="fr-FR" sz="5400" b="1" dirty="0" err="1" smtClean="0"/>
+              <a:rPr lang="fr-FR" sz="5400" b="1" dirty="0"/>
+              <a:t> </a:t>
+            </a:r>
+            <a:r>
+              <a:rPr lang="fr-FR" sz="5400" b="1" dirty="0" err="1"/>
               <a:t>isan'andro</a:t>
             </a:r>
             <a:r>
-              <a:rPr lang="fr-FR" sz="5400" b="1" dirty="0" smtClean="0"/>
+              <a:rPr lang="fr-FR" sz="5400" b="1" dirty="0"/>
               <a:t> </a:t>
             </a:r>
           </a:p>
           <a:p>
             <a:pPr algn="ctr"/>
             <a:r>
-              <a:rPr lang="fi-FI" sz="5400" b="1" dirty="0" smtClean="0"/>
+              <a:rPr lang="fi-FI" sz="5400" b="1" dirty="0"/>
               <a:t>Ho tantely koa ny vahona. </a:t>
             </a:r>
           </a:p>
@@ -4900,13 +4404,6 @@
   <p:clrMapOvr>
     <a:masterClrMapping/>
   </p:clrMapOvr>
-  <p:timing>
-    <p:tnLst>
-      <p:par>
-        <p:cTn id="1" dur="indefinite" restart="never" nodeType="tmRoot"/>
-      </p:par>
-    </p:tnLst>
-  </p:timing>
 </p:sld>
 </file>
 
@@ -4950,315 +4447,163 @@
           <a:p>
             <a:pPr algn="ctr"/>
             <a:r>
-              <a:rPr lang="es-ES" sz="5400" b="1" dirty="0" err="1" smtClean="0">
-                <a:solidFill>
-                  <a:srgbClr val="FF0000"/>
-                </a:solidFill>
-              </a:rPr>
+              <a:rPr lang="es-ES" sz="5400" b="1" dirty="0" err="1"/>
               <a:t>Homba</a:t>
             </a:r>
             <a:r>
-              <a:rPr lang="es-ES" sz="5400" b="1" dirty="0" smtClean="0">
-                <a:solidFill>
-                  <a:srgbClr val="FF0000"/>
-                </a:solidFill>
-              </a:rPr>
-              <a:t> </a:t>
-            </a:r>
-            <a:r>
-              <a:rPr lang="es-ES" sz="5400" b="1" dirty="0" err="1" smtClean="0">
-                <a:solidFill>
-                  <a:srgbClr val="FF0000"/>
-                </a:solidFill>
-              </a:rPr>
+              <a:rPr lang="es-ES" sz="5400" b="1" dirty="0"/>
+              <a:t> </a:t>
+            </a:r>
+            <a:r>
+              <a:rPr lang="es-ES" sz="5400" b="1" dirty="0" err="1"/>
               <a:t>anao</a:t>
             </a:r>
             <a:r>
-              <a:rPr lang="es-ES" sz="5400" b="1" dirty="0" smtClean="0">
-                <a:solidFill>
-                  <a:srgbClr val="FF0000"/>
-                </a:solidFill>
-              </a:rPr>
+              <a:rPr lang="es-ES" sz="5400" b="1" dirty="0"/>
               <a:t>, </a:t>
             </a:r>
             <a:r>
-              <a:rPr lang="es-ES" sz="5400" b="1" dirty="0" err="1" smtClean="0">
-                <a:solidFill>
-                  <a:srgbClr val="FF0000"/>
-                </a:solidFill>
-              </a:rPr>
+              <a:rPr lang="es-ES" sz="5400" b="1" dirty="0" err="1"/>
               <a:t>Homba</a:t>
             </a:r>
             <a:r>
-              <a:rPr lang="es-ES" sz="5400" b="1" dirty="0" smtClean="0">
-                <a:solidFill>
-                  <a:srgbClr val="FF0000"/>
-                </a:solidFill>
-              </a:rPr>
-              <a:t> </a:t>
-            </a:r>
-            <a:r>
-              <a:rPr lang="es-ES" sz="5400" b="1" dirty="0" err="1" smtClean="0">
-                <a:solidFill>
-                  <a:srgbClr val="FF0000"/>
-                </a:solidFill>
-              </a:rPr>
+              <a:rPr lang="es-ES" sz="5400" b="1" dirty="0"/>
+              <a:t> </a:t>
+            </a:r>
+            <a:r>
+              <a:rPr lang="es-ES" sz="5400" b="1" dirty="0" err="1"/>
               <a:t>anao</a:t>
             </a:r>
             <a:r>
-              <a:rPr lang="es-ES" sz="5400" b="1" dirty="0" smtClean="0">
-                <a:solidFill>
-                  <a:srgbClr val="FF0000"/>
-                </a:solidFill>
-              </a:rPr>
-              <a:t> </a:t>
-            </a:r>
-            <a:r>
-              <a:rPr lang="es-ES" sz="5400" b="1" dirty="0" err="1" smtClean="0">
-                <a:solidFill>
-                  <a:srgbClr val="FF0000"/>
-                </a:solidFill>
-              </a:rPr>
+              <a:rPr lang="es-ES" sz="5400" b="1" dirty="0"/>
+              <a:t> </a:t>
+            </a:r>
+            <a:r>
+              <a:rPr lang="es-ES" sz="5400" b="1" dirty="0" err="1"/>
               <a:t>Jeso</a:t>
             </a:r>
             <a:r>
-              <a:rPr lang="es-ES" sz="5400" b="1" dirty="0" smtClean="0">
-                <a:solidFill>
-                  <a:srgbClr val="FF0000"/>
-                </a:solidFill>
-              </a:rPr>
+              <a:rPr lang="es-ES" sz="5400" b="1" dirty="0"/>
               <a:t> </a:t>
             </a:r>
           </a:p>
           <a:p>
             <a:pPr algn="ctr"/>
             <a:r>
-              <a:rPr lang="fr-FR" sz="5400" b="1" dirty="0" err="1" smtClean="0">
-                <a:solidFill>
-                  <a:srgbClr val="FF0000"/>
-                </a:solidFill>
-              </a:rPr>
+              <a:rPr lang="fr-FR" sz="5400" b="1" dirty="0" err="1"/>
               <a:t>Homba</a:t>
             </a:r>
             <a:r>
-              <a:rPr lang="fr-FR" sz="5400" b="1" dirty="0" smtClean="0">
-                <a:solidFill>
-                  <a:srgbClr val="FF0000"/>
-                </a:solidFill>
-              </a:rPr>
-              <a:t> </a:t>
-            </a:r>
-            <a:r>
-              <a:rPr lang="fr-FR" sz="5400" b="1" dirty="0" err="1" smtClean="0">
-                <a:solidFill>
-                  <a:srgbClr val="FF0000"/>
-                </a:solidFill>
-              </a:rPr>
+              <a:rPr lang="fr-FR" sz="5400" b="1" dirty="0"/>
+              <a:t> </a:t>
+            </a:r>
+            <a:r>
+              <a:rPr lang="fr-FR" sz="5400" b="1" dirty="0" err="1"/>
               <a:t>anao</a:t>
             </a:r>
             <a:r>
-              <a:rPr lang="fr-FR" sz="5400" b="1" dirty="0" smtClean="0">
-                <a:solidFill>
-                  <a:srgbClr val="FF0000"/>
-                </a:solidFill>
-              </a:rPr>
-              <a:t> </a:t>
-            </a:r>
-            <a:r>
-              <a:rPr lang="fr-FR" sz="5400" b="1" dirty="0" err="1" smtClean="0">
-                <a:solidFill>
-                  <a:srgbClr val="FF0000"/>
-                </a:solidFill>
-              </a:rPr>
+              <a:rPr lang="fr-FR" sz="5400" b="1" dirty="0"/>
+              <a:t> </a:t>
+            </a:r>
+            <a:r>
+              <a:rPr lang="fr-FR" sz="5400" b="1" dirty="0" err="1"/>
               <a:t>anie</a:t>
             </a:r>
             <a:r>
-              <a:rPr lang="fr-FR" sz="5400" b="1" dirty="0" smtClean="0">
-                <a:solidFill>
-                  <a:srgbClr val="FF0000"/>
-                </a:solidFill>
-              </a:rPr>
-              <a:t> </a:t>
-            </a:r>
-            <a:r>
-              <a:rPr lang="fr-FR" sz="5400" b="1" dirty="0" err="1" smtClean="0">
-                <a:solidFill>
-                  <a:srgbClr val="FF0000"/>
-                </a:solidFill>
-              </a:rPr>
+              <a:rPr lang="fr-FR" sz="5400" b="1" dirty="0"/>
+              <a:t> </a:t>
+            </a:r>
+            <a:r>
+              <a:rPr lang="fr-FR" sz="5400" b="1" dirty="0" err="1"/>
               <a:t>Jeso</a:t>
             </a:r>
             <a:r>
-              <a:rPr lang="fr-FR" sz="5400" b="1" dirty="0" smtClean="0">
-                <a:solidFill>
-                  <a:srgbClr val="FF0000"/>
-                </a:solidFill>
-              </a:rPr>
+              <a:rPr lang="fr-FR" sz="5400" b="1" dirty="0"/>
               <a:t>, </a:t>
             </a:r>
           </a:p>
           <a:p>
             <a:pPr algn="ctr"/>
             <a:r>
-              <a:rPr lang="es-ES" sz="5400" b="1" dirty="0" err="1" smtClean="0">
-                <a:solidFill>
-                  <a:srgbClr val="FF0000"/>
-                </a:solidFill>
-              </a:rPr>
+              <a:rPr lang="es-ES" sz="5400" b="1" dirty="0" err="1"/>
               <a:t>Homba</a:t>
             </a:r>
             <a:r>
-              <a:rPr lang="es-ES" sz="5400" b="1" dirty="0" smtClean="0">
-                <a:solidFill>
-                  <a:srgbClr val="FF0000"/>
-                </a:solidFill>
-              </a:rPr>
-              <a:t> </a:t>
-            </a:r>
-            <a:r>
-              <a:rPr lang="es-ES" sz="5400" b="1" dirty="0" err="1" smtClean="0">
-                <a:solidFill>
-                  <a:srgbClr val="FF0000"/>
-                </a:solidFill>
-              </a:rPr>
+              <a:rPr lang="es-ES" sz="5400" b="1" dirty="0"/>
+              <a:t> </a:t>
+            </a:r>
+            <a:r>
+              <a:rPr lang="es-ES" sz="5400" b="1" dirty="0" err="1"/>
               <a:t>anao</a:t>
             </a:r>
             <a:r>
-              <a:rPr lang="es-ES" sz="5400" b="1" dirty="0" smtClean="0">
-                <a:solidFill>
-                  <a:srgbClr val="FF0000"/>
-                </a:solidFill>
-              </a:rPr>
+              <a:rPr lang="es-ES" sz="5400" b="1" dirty="0"/>
               <a:t>, </a:t>
             </a:r>
             <a:r>
-              <a:rPr lang="es-ES" sz="5400" b="1" dirty="0" err="1" smtClean="0">
-                <a:solidFill>
-                  <a:srgbClr val="FF0000"/>
-                </a:solidFill>
-              </a:rPr>
+              <a:rPr lang="es-ES" sz="5400" b="1" dirty="0" err="1"/>
               <a:t>Homba</a:t>
             </a:r>
             <a:r>
-              <a:rPr lang="es-ES" sz="5400" b="1" dirty="0" smtClean="0">
-                <a:solidFill>
-                  <a:srgbClr val="FF0000"/>
-                </a:solidFill>
-              </a:rPr>
-              <a:t> </a:t>
-            </a:r>
-            <a:r>
-              <a:rPr lang="es-ES" sz="5400" b="1" dirty="0" err="1" smtClean="0">
-                <a:solidFill>
-                  <a:srgbClr val="FF0000"/>
-                </a:solidFill>
-              </a:rPr>
+              <a:rPr lang="es-ES" sz="5400" b="1" dirty="0"/>
+              <a:t> </a:t>
+            </a:r>
+            <a:r>
+              <a:rPr lang="es-ES" sz="5400" b="1" dirty="0" err="1"/>
               <a:t>anao</a:t>
             </a:r>
             <a:r>
-              <a:rPr lang="es-ES" sz="5400" b="1" dirty="0" smtClean="0">
-                <a:solidFill>
-                  <a:srgbClr val="FF0000"/>
-                </a:solidFill>
-              </a:rPr>
-              <a:t> </a:t>
-            </a:r>
-            <a:r>
-              <a:rPr lang="es-ES" sz="5400" b="1" dirty="0" err="1" smtClean="0">
-                <a:solidFill>
-                  <a:srgbClr val="FF0000"/>
-                </a:solidFill>
-              </a:rPr>
+              <a:rPr lang="es-ES" sz="5400" b="1" dirty="0"/>
+              <a:t> </a:t>
+            </a:r>
+            <a:r>
+              <a:rPr lang="es-ES" sz="5400" b="1" dirty="0" err="1"/>
               <a:t>Jeso</a:t>
             </a:r>
             <a:r>
-              <a:rPr lang="es-ES" sz="5400" b="1" dirty="0" smtClean="0">
-                <a:solidFill>
-                  <a:srgbClr val="FF0000"/>
-                </a:solidFill>
-              </a:rPr>
+              <a:rPr lang="es-ES" sz="5400" b="1" dirty="0"/>
               <a:t> </a:t>
             </a:r>
           </a:p>
           <a:p>
             <a:pPr algn="ctr"/>
             <a:r>
-              <a:rPr lang="fr-FR" sz="5400" b="1" dirty="0" err="1" smtClean="0">
-                <a:solidFill>
-                  <a:srgbClr val="FF0000"/>
-                </a:solidFill>
-              </a:rPr>
+              <a:rPr lang="fr-FR" sz="5400" b="1" dirty="0" err="1"/>
               <a:t>Enga</a:t>
             </a:r>
             <a:r>
-              <a:rPr lang="fr-FR" sz="5400" b="1" dirty="0" smtClean="0">
-                <a:solidFill>
-                  <a:srgbClr val="FF0000"/>
-                </a:solidFill>
-              </a:rPr>
-              <a:t> </a:t>
-            </a:r>
-            <a:r>
-              <a:rPr lang="fr-FR" sz="5400" b="1" dirty="0" err="1" smtClean="0">
-                <a:solidFill>
-                  <a:srgbClr val="FF0000"/>
-                </a:solidFill>
-              </a:rPr>
+              <a:rPr lang="fr-FR" sz="5400" b="1" dirty="0"/>
+              <a:t> </a:t>
+            </a:r>
+            <a:r>
+              <a:rPr lang="fr-FR" sz="5400" b="1" dirty="0" err="1"/>
               <a:t>anie</a:t>
             </a:r>
             <a:r>
-              <a:rPr lang="fr-FR" sz="5400" b="1" dirty="0" smtClean="0">
-                <a:solidFill>
-                  <a:srgbClr val="FF0000"/>
-                </a:solidFill>
-              </a:rPr>
+              <a:rPr lang="fr-FR" sz="5400" b="1" dirty="0"/>
               <a:t> ka </a:t>
             </a:r>
             <a:r>
-              <a:rPr lang="fr-FR" sz="5400" b="1" dirty="0" err="1" smtClean="0">
-                <a:solidFill>
-                  <a:srgbClr val="FF0000"/>
-                </a:solidFill>
-              </a:rPr>
+              <a:rPr lang="fr-FR" sz="5400" b="1" dirty="0" err="1"/>
               <a:t>homba</a:t>
             </a:r>
             <a:r>
-              <a:rPr lang="fr-FR" sz="5400" b="1" dirty="0" smtClean="0">
-                <a:solidFill>
-                  <a:srgbClr val="FF0000"/>
-                </a:solidFill>
-              </a:rPr>
-              <a:t> </a:t>
-            </a:r>
-            <a:r>
-              <a:rPr lang="fr-FR" sz="5400" b="1" dirty="0" err="1" smtClean="0">
-                <a:solidFill>
-                  <a:srgbClr val="FF0000"/>
-                </a:solidFill>
-              </a:rPr>
+              <a:rPr lang="fr-FR" sz="5400" b="1" dirty="0"/>
+              <a:t> </a:t>
+            </a:r>
+            <a:r>
+              <a:rPr lang="fr-FR" sz="5400" b="1" dirty="0" err="1"/>
               <a:t>anao</a:t>
             </a:r>
             <a:r>
-              <a:rPr lang="fr-FR" sz="5400" b="1" dirty="0" smtClean="0">
-                <a:solidFill>
-                  <a:srgbClr val="FF0000"/>
-                </a:solidFill>
-              </a:rPr>
-              <a:t> </a:t>
-            </a:r>
-            <a:r>
-              <a:rPr lang="fr-FR" sz="5400" b="1" dirty="0" err="1" smtClean="0">
-                <a:solidFill>
-                  <a:srgbClr val="FF0000"/>
-                </a:solidFill>
-              </a:rPr>
+              <a:rPr lang="fr-FR" sz="5400" b="1" dirty="0"/>
+              <a:t> </a:t>
+            </a:r>
+            <a:r>
+              <a:rPr lang="fr-FR" sz="5400" b="1" dirty="0" err="1"/>
               <a:t>Jeso</a:t>
             </a:r>
-            <a:endParaRPr lang="fr-FR" sz="5400" b="1" dirty="0">
-              <a:solidFill>
-                <a:srgbClr val="FF0000"/>
-              </a:solidFill>
-            </a:endParaRPr>
+            <a:endParaRPr lang="fr-FR" sz="5400" b="1" dirty="0"/>
           </a:p>
         </p:txBody>
       </p:sp>
@@ -5267,13 +4612,6 @@
   <p:clrMapOvr>
     <a:masterClrMapping/>
   </p:clrMapOvr>
-  <p:timing>
-    <p:tnLst>
-      <p:par>
-        <p:cTn id="1" dur="indefinite" restart="never" nodeType="tmRoot"/>
-      </p:par>
-    </p:tnLst>
-  </p:timing>
 </p:sld>
 </file>
 
@@ -5317,112 +4655,112 @@
           <a:p>
             <a:pPr algn="ctr"/>
             <a:r>
-              <a:rPr lang="fr-FR" sz="5400" b="1" dirty="0" smtClean="0"/>
+              <a:rPr lang="fr-FR" sz="5400" b="1" dirty="0"/>
               <a:t>3. </a:t>
             </a:r>
             <a:r>
-              <a:rPr lang="fr-FR" sz="5400" b="1" dirty="0" err="1" smtClean="0"/>
+              <a:rPr lang="fr-FR" sz="5400" b="1" dirty="0" err="1"/>
               <a:t>Mangamanga</a:t>
             </a:r>
             <a:r>
-              <a:rPr lang="fr-FR" sz="5400" b="1" dirty="0" smtClean="0"/>
-              <a:t> </a:t>
-            </a:r>
-            <a:r>
-              <a:rPr lang="fr-FR" sz="5400" b="1" dirty="0" err="1" smtClean="0"/>
+              <a:rPr lang="fr-FR" sz="5400" b="1" dirty="0"/>
+              <a:t> </a:t>
+            </a:r>
+            <a:r>
+              <a:rPr lang="fr-FR" sz="5400" b="1" dirty="0" err="1"/>
               <a:t>indray</a:t>
             </a:r>
             <a:r>
-              <a:rPr lang="fr-FR" sz="5400" b="1" dirty="0" smtClean="0"/>
-              <a:t> </a:t>
-            </a:r>
-            <a:r>
-              <a:rPr lang="fr-FR" sz="5400" b="1" dirty="0" err="1" smtClean="0"/>
+              <a:rPr lang="fr-FR" sz="5400" b="1" dirty="0"/>
+              <a:t> </a:t>
+            </a:r>
+            <a:r>
+              <a:rPr lang="fr-FR" sz="5400" b="1" dirty="0" err="1"/>
               <a:t>ny</a:t>
             </a:r>
             <a:r>
-              <a:rPr lang="fr-FR" sz="5400" b="1" dirty="0" smtClean="0"/>
-              <a:t> </a:t>
-            </a:r>
-            <a:r>
-              <a:rPr lang="fr-FR" sz="5400" b="1" dirty="0" err="1" smtClean="0"/>
+              <a:rPr lang="fr-FR" sz="5400" b="1" dirty="0"/>
+              <a:t> </a:t>
+            </a:r>
+            <a:r>
+              <a:rPr lang="fr-FR" sz="5400" b="1" dirty="0" err="1"/>
               <a:t>lanitra</a:t>
             </a:r>
             <a:r>
-              <a:rPr lang="fr-FR" sz="5400" b="1" dirty="0" smtClean="0"/>
+              <a:rPr lang="fr-FR" sz="5400" b="1" dirty="0"/>
               <a:t> </a:t>
             </a:r>
           </a:p>
           <a:p>
             <a:pPr algn="ctr"/>
             <a:r>
-              <a:rPr lang="fr-FR" sz="5400" b="1" dirty="0" err="1" smtClean="0"/>
+              <a:rPr lang="fr-FR" sz="5400" b="1" dirty="0" err="1"/>
               <a:t>Loharanom</a:t>
             </a:r>
             <a:r>
-              <a:rPr lang="fr-FR" sz="5400" b="1" dirty="0" smtClean="0"/>
+              <a:rPr lang="fr-FR" sz="5400" b="1" dirty="0"/>
               <a:t>-</a:t>
             </a:r>
             <a:r>
-              <a:rPr lang="fr-FR" sz="5400" b="1" dirty="0" err="1" smtClean="0"/>
+              <a:rPr lang="fr-FR" sz="5400" b="1" dirty="0" err="1"/>
               <a:t>pitahiana</a:t>
             </a:r>
             <a:r>
-              <a:rPr lang="fr-FR" sz="5400" b="1" dirty="0" smtClean="0"/>
+              <a:rPr lang="fr-FR" sz="5400" b="1" dirty="0"/>
               <a:t> </a:t>
             </a:r>
           </a:p>
           <a:p>
             <a:pPr algn="ctr"/>
             <a:r>
-              <a:rPr lang="fr-FR" sz="5400" b="1" dirty="0" err="1" smtClean="0"/>
+              <a:rPr lang="fr-FR" sz="5400" b="1" dirty="0" err="1"/>
               <a:t>Sady</a:t>
             </a:r>
             <a:r>
-              <a:rPr lang="fr-FR" sz="5400" b="1" dirty="0" smtClean="0"/>
-              <a:t> </a:t>
-            </a:r>
-            <a:r>
-              <a:rPr lang="fr-FR" sz="5400" b="1" dirty="0" err="1" smtClean="0"/>
+              <a:rPr lang="fr-FR" sz="5400" b="1" dirty="0"/>
+              <a:t> </a:t>
+            </a:r>
+            <a:r>
+              <a:rPr lang="fr-FR" sz="5400" b="1" dirty="0" err="1"/>
               <a:t>foto</a:t>
             </a:r>
             <a:r>
-              <a:rPr lang="fr-FR" sz="5400" b="1" dirty="0" smtClean="0"/>
+              <a:rPr lang="fr-FR" sz="5400" b="1" dirty="0"/>
               <a:t>-</a:t>
             </a:r>
             <a:r>
-              <a:rPr lang="fr-FR" sz="5400" b="1" dirty="0" err="1" smtClean="0"/>
+              <a:rPr lang="fr-FR" sz="5400" b="1" dirty="0" err="1"/>
               <a:t>pifaliana</a:t>
             </a:r>
             <a:r>
-              <a:rPr lang="fr-FR" sz="5400" b="1" dirty="0" smtClean="0"/>
+              <a:rPr lang="fr-FR" sz="5400" b="1" dirty="0"/>
               <a:t>. </a:t>
             </a:r>
           </a:p>
           <a:p>
             <a:pPr algn="ctr"/>
             <a:r>
-              <a:rPr lang="fr-FR" sz="5400" b="1" dirty="0" err="1" smtClean="0"/>
+              <a:rPr lang="fr-FR" sz="5400" b="1" dirty="0" err="1"/>
               <a:t>Jeso</a:t>
             </a:r>
             <a:r>
-              <a:rPr lang="fr-FR" sz="5400" b="1" dirty="0" smtClean="0"/>
-              <a:t> </a:t>
-            </a:r>
-            <a:r>
-              <a:rPr lang="fr-FR" sz="5400" b="1" dirty="0" err="1" smtClean="0"/>
+              <a:rPr lang="fr-FR" sz="5400" b="1" dirty="0"/>
+              <a:t> </a:t>
+            </a:r>
+            <a:r>
+              <a:rPr lang="fr-FR" sz="5400" b="1" dirty="0" err="1"/>
               <a:t>Zanak</a:t>
             </a:r>
             <a:r>
-              <a:rPr lang="fr-FR" sz="5400" b="1" dirty="0" smtClean="0"/>
+              <a:rPr lang="fr-FR" sz="5400" b="1" dirty="0"/>
               <a:t>' </a:t>
             </a:r>
             <a:r>
-              <a:rPr lang="fr-FR" sz="5400" b="1" dirty="0" err="1" smtClean="0"/>
+              <a:rPr lang="fr-FR" sz="5400" b="1" dirty="0" err="1"/>
               <a:t>Andriamanitra</a:t>
             </a:r>
             <a:r>
-              <a:rPr lang="fr-FR" sz="5400" b="1" dirty="0" smtClean="0"/>
+              <a:rPr lang="fr-FR" sz="5400" b="1" dirty="0"/>
               <a:t>. </a:t>
             </a:r>
           </a:p>
@@ -5476,315 +4814,163 @@
           <a:p>
             <a:pPr algn="ctr"/>
             <a:r>
-              <a:rPr lang="es-ES" sz="5400" b="1" dirty="0" err="1" smtClean="0">
-                <a:solidFill>
-                  <a:srgbClr val="FF0000"/>
-                </a:solidFill>
-              </a:rPr>
+              <a:rPr lang="es-ES" sz="5400" b="1" dirty="0" err="1"/>
               <a:t>Homba</a:t>
             </a:r>
             <a:r>
-              <a:rPr lang="es-ES" sz="5400" b="1" dirty="0" smtClean="0">
-                <a:solidFill>
-                  <a:srgbClr val="FF0000"/>
-                </a:solidFill>
-              </a:rPr>
-              <a:t> </a:t>
-            </a:r>
-            <a:r>
-              <a:rPr lang="es-ES" sz="5400" b="1" dirty="0" err="1" smtClean="0">
-                <a:solidFill>
-                  <a:srgbClr val="FF0000"/>
-                </a:solidFill>
-              </a:rPr>
+              <a:rPr lang="es-ES" sz="5400" b="1" dirty="0"/>
+              <a:t> </a:t>
+            </a:r>
+            <a:r>
+              <a:rPr lang="es-ES" sz="5400" b="1" dirty="0" err="1"/>
               <a:t>anao</a:t>
             </a:r>
             <a:r>
-              <a:rPr lang="es-ES" sz="5400" b="1" dirty="0" smtClean="0">
-                <a:solidFill>
-                  <a:srgbClr val="FF0000"/>
-                </a:solidFill>
-              </a:rPr>
+              <a:rPr lang="es-ES" sz="5400" b="1" dirty="0"/>
               <a:t>, </a:t>
             </a:r>
             <a:r>
-              <a:rPr lang="es-ES" sz="5400" b="1" dirty="0" err="1" smtClean="0">
-                <a:solidFill>
-                  <a:srgbClr val="FF0000"/>
-                </a:solidFill>
-              </a:rPr>
+              <a:rPr lang="es-ES" sz="5400" b="1" dirty="0" err="1"/>
               <a:t>Homba</a:t>
             </a:r>
             <a:r>
-              <a:rPr lang="es-ES" sz="5400" b="1" dirty="0" smtClean="0">
-                <a:solidFill>
-                  <a:srgbClr val="FF0000"/>
-                </a:solidFill>
-              </a:rPr>
-              <a:t> </a:t>
-            </a:r>
-            <a:r>
-              <a:rPr lang="es-ES" sz="5400" b="1" dirty="0" err="1" smtClean="0">
-                <a:solidFill>
-                  <a:srgbClr val="FF0000"/>
-                </a:solidFill>
-              </a:rPr>
+              <a:rPr lang="es-ES" sz="5400" b="1" dirty="0"/>
+              <a:t> </a:t>
+            </a:r>
+            <a:r>
+              <a:rPr lang="es-ES" sz="5400" b="1" dirty="0" err="1"/>
               <a:t>anao</a:t>
             </a:r>
             <a:r>
-              <a:rPr lang="es-ES" sz="5400" b="1" dirty="0" smtClean="0">
-                <a:solidFill>
-                  <a:srgbClr val="FF0000"/>
-                </a:solidFill>
-              </a:rPr>
-              <a:t> </a:t>
-            </a:r>
-            <a:r>
-              <a:rPr lang="es-ES" sz="5400" b="1" dirty="0" err="1" smtClean="0">
-                <a:solidFill>
-                  <a:srgbClr val="FF0000"/>
-                </a:solidFill>
-              </a:rPr>
+              <a:rPr lang="es-ES" sz="5400" b="1" dirty="0"/>
+              <a:t> </a:t>
+            </a:r>
+            <a:r>
+              <a:rPr lang="es-ES" sz="5400" b="1" dirty="0" err="1"/>
               <a:t>Jeso</a:t>
             </a:r>
             <a:r>
-              <a:rPr lang="es-ES" sz="5400" b="1" dirty="0" smtClean="0">
-                <a:solidFill>
-                  <a:srgbClr val="FF0000"/>
-                </a:solidFill>
-              </a:rPr>
+              <a:rPr lang="es-ES" sz="5400" b="1" dirty="0"/>
               <a:t> </a:t>
             </a:r>
           </a:p>
           <a:p>
             <a:pPr algn="ctr"/>
             <a:r>
-              <a:rPr lang="fr-FR" sz="5400" b="1" dirty="0" err="1" smtClean="0">
-                <a:solidFill>
-                  <a:srgbClr val="FF0000"/>
-                </a:solidFill>
-              </a:rPr>
+              <a:rPr lang="fr-FR" sz="5400" b="1" dirty="0" err="1"/>
               <a:t>Homba</a:t>
             </a:r>
             <a:r>
-              <a:rPr lang="fr-FR" sz="5400" b="1" dirty="0" smtClean="0">
-                <a:solidFill>
-                  <a:srgbClr val="FF0000"/>
-                </a:solidFill>
-              </a:rPr>
-              <a:t> </a:t>
-            </a:r>
-            <a:r>
-              <a:rPr lang="fr-FR" sz="5400" b="1" dirty="0" err="1" smtClean="0">
-                <a:solidFill>
-                  <a:srgbClr val="FF0000"/>
-                </a:solidFill>
-              </a:rPr>
+              <a:rPr lang="fr-FR" sz="5400" b="1" dirty="0"/>
+              <a:t> </a:t>
+            </a:r>
+            <a:r>
+              <a:rPr lang="fr-FR" sz="5400" b="1" dirty="0" err="1"/>
               <a:t>anao</a:t>
             </a:r>
             <a:r>
-              <a:rPr lang="fr-FR" sz="5400" b="1" dirty="0" smtClean="0">
-                <a:solidFill>
-                  <a:srgbClr val="FF0000"/>
-                </a:solidFill>
-              </a:rPr>
-              <a:t> </a:t>
-            </a:r>
-            <a:r>
-              <a:rPr lang="fr-FR" sz="5400" b="1" dirty="0" err="1" smtClean="0">
-                <a:solidFill>
-                  <a:srgbClr val="FF0000"/>
-                </a:solidFill>
-              </a:rPr>
+              <a:rPr lang="fr-FR" sz="5400" b="1" dirty="0"/>
+              <a:t> </a:t>
+            </a:r>
+            <a:r>
+              <a:rPr lang="fr-FR" sz="5400" b="1" dirty="0" err="1"/>
               <a:t>anie</a:t>
             </a:r>
             <a:r>
-              <a:rPr lang="fr-FR" sz="5400" b="1" dirty="0" smtClean="0">
-                <a:solidFill>
-                  <a:srgbClr val="FF0000"/>
-                </a:solidFill>
-              </a:rPr>
-              <a:t> </a:t>
-            </a:r>
-            <a:r>
-              <a:rPr lang="fr-FR" sz="5400" b="1" dirty="0" err="1" smtClean="0">
-                <a:solidFill>
-                  <a:srgbClr val="FF0000"/>
-                </a:solidFill>
-              </a:rPr>
+              <a:rPr lang="fr-FR" sz="5400" b="1" dirty="0"/>
+              <a:t> </a:t>
+            </a:r>
+            <a:r>
+              <a:rPr lang="fr-FR" sz="5400" b="1" dirty="0" err="1"/>
               <a:t>Jeso</a:t>
             </a:r>
             <a:r>
-              <a:rPr lang="fr-FR" sz="5400" b="1" dirty="0" smtClean="0">
-                <a:solidFill>
-                  <a:srgbClr val="FF0000"/>
-                </a:solidFill>
-              </a:rPr>
+              <a:rPr lang="fr-FR" sz="5400" b="1" dirty="0"/>
               <a:t>, </a:t>
             </a:r>
           </a:p>
           <a:p>
             <a:pPr algn="ctr"/>
             <a:r>
-              <a:rPr lang="es-ES" sz="5400" b="1" dirty="0" err="1" smtClean="0">
-                <a:solidFill>
-                  <a:srgbClr val="FF0000"/>
-                </a:solidFill>
-              </a:rPr>
+              <a:rPr lang="es-ES" sz="5400" b="1" dirty="0" err="1"/>
               <a:t>Homba</a:t>
             </a:r>
             <a:r>
-              <a:rPr lang="es-ES" sz="5400" b="1" dirty="0" smtClean="0">
-                <a:solidFill>
-                  <a:srgbClr val="FF0000"/>
-                </a:solidFill>
-              </a:rPr>
-              <a:t> </a:t>
-            </a:r>
-            <a:r>
-              <a:rPr lang="es-ES" sz="5400" b="1" dirty="0" err="1" smtClean="0">
-                <a:solidFill>
-                  <a:srgbClr val="FF0000"/>
-                </a:solidFill>
-              </a:rPr>
+              <a:rPr lang="es-ES" sz="5400" b="1" dirty="0"/>
+              <a:t> </a:t>
+            </a:r>
+            <a:r>
+              <a:rPr lang="es-ES" sz="5400" b="1" dirty="0" err="1"/>
               <a:t>anao</a:t>
             </a:r>
             <a:r>
-              <a:rPr lang="es-ES" sz="5400" b="1" dirty="0" smtClean="0">
-                <a:solidFill>
-                  <a:srgbClr val="FF0000"/>
-                </a:solidFill>
-              </a:rPr>
+              <a:rPr lang="es-ES" sz="5400" b="1" dirty="0"/>
               <a:t>, </a:t>
             </a:r>
             <a:r>
-              <a:rPr lang="es-ES" sz="5400" b="1" dirty="0" err="1" smtClean="0">
-                <a:solidFill>
-                  <a:srgbClr val="FF0000"/>
-                </a:solidFill>
-              </a:rPr>
+              <a:rPr lang="es-ES" sz="5400" b="1" dirty="0" err="1"/>
               <a:t>Homba</a:t>
             </a:r>
             <a:r>
-              <a:rPr lang="es-ES" sz="5400" b="1" dirty="0" smtClean="0">
-                <a:solidFill>
-                  <a:srgbClr val="FF0000"/>
-                </a:solidFill>
-              </a:rPr>
-              <a:t> </a:t>
-            </a:r>
-            <a:r>
-              <a:rPr lang="es-ES" sz="5400" b="1" dirty="0" err="1" smtClean="0">
-                <a:solidFill>
-                  <a:srgbClr val="FF0000"/>
-                </a:solidFill>
-              </a:rPr>
+              <a:rPr lang="es-ES" sz="5400" b="1" dirty="0"/>
+              <a:t> </a:t>
+            </a:r>
+            <a:r>
+              <a:rPr lang="es-ES" sz="5400" b="1" dirty="0" err="1"/>
               <a:t>anao</a:t>
             </a:r>
             <a:r>
-              <a:rPr lang="es-ES" sz="5400" b="1" dirty="0" smtClean="0">
-                <a:solidFill>
-                  <a:srgbClr val="FF0000"/>
-                </a:solidFill>
-              </a:rPr>
-              <a:t> </a:t>
-            </a:r>
-            <a:r>
-              <a:rPr lang="es-ES" sz="5400" b="1" dirty="0" err="1" smtClean="0">
-                <a:solidFill>
-                  <a:srgbClr val="FF0000"/>
-                </a:solidFill>
-              </a:rPr>
+              <a:rPr lang="es-ES" sz="5400" b="1" dirty="0"/>
+              <a:t> </a:t>
+            </a:r>
+            <a:r>
+              <a:rPr lang="es-ES" sz="5400" b="1" dirty="0" err="1"/>
               <a:t>Jeso</a:t>
             </a:r>
             <a:r>
-              <a:rPr lang="es-ES" sz="5400" b="1" dirty="0" smtClean="0">
-                <a:solidFill>
-                  <a:srgbClr val="FF0000"/>
-                </a:solidFill>
-              </a:rPr>
+              <a:rPr lang="es-ES" sz="5400" b="1" dirty="0"/>
               <a:t> </a:t>
             </a:r>
           </a:p>
           <a:p>
             <a:pPr algn="ctr"/>
             <a:r>
-              <a:rPr lang="fr-FR" sz="5400" b="1" dirty="0" err="1" smtClean="0">
-                <a:solidFill>
-                  <a:srgbClr val="FF0000"/>
-                </a:solidFill>
-              </a:rPr>
+              <a:rPr lang="fr-FR" sz="5400" b="1" dirty="0" err="1"/>
               <a:t>Enga</a:t>
             </a:r>
             <a:r>
-              <a:rPr lang="fr-FR" sz="5400" b="1" dirty="0" smtClean="0">
-                <a:solidFill>
-                  <a:srgbClr val="FF0000"/>
-                </a:solidFill>
-              </a:rPr>
-              <a:t> </a:t>
-            </a:r>
-            <a:r>
-              <a:rPr lang="fr-FR" sz="5400" b="1" dirty="0" err="1" smtClean="0">
-                <a:solidFill>
-                  <a:srgbClr val="FF0000"/>
-                </a:solidFill>
-              </a:rPr>
+              <a:rPr lang="fr-FR" sz="5400" b="1" dirty="0"/>
+              <a:t> </a:t>
+            </a:r>
+            <a:r>
+              <a:rPr lang="fr-FR" sz="5400" b="1" dirty="0" err="1"/>
               <a:t>anie</a:t>
             </a:r>
             <a:r>
-              <a:rPr lang="fr-FR" sz="5400" b="1" dirty="0" smtClean="0">
-                <a:solidFill>
-                  <a:srgbClr val="FF0000"/>
-                </a:solidFill>
-              </a:rPr>
+              <a:rPr lang="fr-FR" sz="5400" b="1" dirty="0"/>
               <a:t> ka </a:t>
             </a:r>
             <a:r>
-              <a:rPr lang="fr-FR" sz="5400" b="1" dirty="0" err="1" smtClean="0">
-                <a:solidFill>
-                  <a:srgbClr val="FF0000"/>
-                </a:solidFill>
-              </a:rPr>
+              <a:rPr lang="fr-FR" sz="5400" b="1" dirty="0" err="1"/>
               <a:t>homba</a:t>
             </a:r>
             <a:r>
-              <a:rPr lang="fr-FR" sz="5400" b="1" dirty="0" smtClean="0">
-                <a:solidFill>
-                  <a:srgbClr val="FF0000"/>
-                </a:solidFill>
-              </a:rPr>
-              <a:t> </a:t>
-            </a:r>
-            <a:r>
-              <a:rPr lang="fr-FR" sz="5400" b="1" dirty="0" err="1" smtClean="0">
-                <a:solidFill>
-                  <a:srgbClr val="FF0000"/>
-                </a:solidFill>
-              </a:rPr>
+              <a:rPr lang="fr-FR" sz="5400" b="1" dirty="0"/>
+              <a:t> </a:t>
+            </a:r>
+            <a:r>
+              <a:rPr lang="fr-FR" sz="5400" b="1" dirty="0" err="1"/>
               <a:t>anao</a:t>
             </a:r>
             <a:r>
-              <a:rPr lang="fr-FR" sz="5400" b="1" dirty="0" smtClean="0">
-                <a:solidFill>
-                  <a:srgbClr val="FF0000"/>
-                </a:solidFill>
-              </a:rPr>
-              <a:t> </a:t>
-            </a:r>
-            <a:r>
-              <a:rPr lang="fr-FR" sz="5400" b="1" dirty="0" err="1" smtClean="0">
-                <a:solidFill>
-                  <a:srgbClr val="FF0000"/>
-                </a:solidFill>
-              </a:rPr>
+              <a:rPr lang="fr-FR" sz="5400" b="1" dirty="0"/>
+              <a:t> </a:t>
+            </a:r>
+            <a:r>
+              <a:rPr lang="fr-FR" sz="5400" b="1" dirty="0" err="1"/>
               <a:t>Jeso</a:t>
             </a:r>
-            <a:endParaRPr lang="fr-FR" sz="5400" b="1" dirty="0">
-              <a:solidFill>
-                <a:srgbClr val="FF0000"/>
-              </a:solidFill>
-            </a:endParaRPr>
+            <a:endParaRPr lang="fr-FR" sz="5400" b="1" dirty="0"/>
           </a:p>
         </p:txBody>
       </p:sp>
@@ -5793,13 +4979,6 @@
   <p:clrMapOvr>
     <a:masterClrMapping/>
   </p:clrMapOvr>
-  <p:timing>
-    <p:tnLst>
-      <p:par>
-        <p:cTn id="1" dur="indefinite" restart="never" nodeType="tmRoot"/>
-      </p:par>
-    </p:tnLst>
-  </p:timing>
 </p:sld>
 </file>
 
@@ -5843,124 +5022,124 @@
           <a:p>
             <a:pPr algn="ctr"/>
             <a:r>
-              <a:rPr lang="fr-FR" sz="5400" b="1" dirty="0" smtClean="0"/>
+              <a:rPr lang="fr-FR" sz="5400" b="1" dirty="0"/>
               <a:t>4. </a:t>
             </a:r>
             <a:r>
-              <a:rPr lang="fr-FR" sz="5400" b="1" dirty="0" err="1" smtClean="0"/>
+              <a:rPr lang="fr-FR" sz="5400" b="1" dirty="0" err="1"/>
               <a:t>Raha</a:t>
             </a:r>
             <a:r>
-              <a:rPr lang="fr-FR" sz="5400" b="1" dirty="0" smtClean="0"/>
-              <a:t> </a:t>
-            </a:r>
-            <a:r>
-              <a:rPr lang="fr-FR" sz="5400" b="1" dirty="0" err="1" smtClean="0"/>
+              <a:rPr lang="fr-FR" sz="5400" b="1" dirty="0"/>
+              <a:t> </a:t>
+            </a:r>
+            <a:r>
+              <a:rPr lang="fr-FR" sz="5400" b="1" dirty="0" err="1"/>
               <a:t>mitolona</a:t>
             </a:r>
             <a:r>
-              <a:rPr lang="fr-FR" sz="5400" b="1" dirty="0" smtClean="0"/>
-              <a:t> </a:t>
-            </a:r>
-            <a:r>
-              <a:rPr lang="fr-FR" sz="5400" b="1" dirty="0" err="1" smtClean="0"/>
+              <a:rPr lang="fr-FR" sz="5400" b="1" dirty="0"/>
+              <a:t> </a:t>
+            </a:r>
+            <a:r>
+              <a:rPr lang="fr-FR" sz="5400" b="1" dirty="0" err="1"/>
               <a:t>ady</a:t>
             </a:r>
             <a:r>
-              <a:rPr lang="fr-FR" sz="5400" b="1" dirty="0" smtClean="0"/>
-              <a:t> </a:t>
-            </a:r>
-            <a:r>
-              <a:rPr lang="fr-FR" sz="5400" b="1" dirty="0" err="1" smtClean="0"/>
+              <a:rPr lang="fr-FR" sz="5400" b="1" dirty="0"/>
+              <a:t> </a:t>
+            </a:r>
+            <a:r>
+              <a:rPr lang="fr-FR" sz="5400" b="1" dirty="0" err="1"/>
               <a:t>sarotra</a:t>
             </a:r>
             <a:r>
-              <a:rPr lang="fr-FR" sz="5400" b="1" dirty="0" smtClean="0"/>
+              <a:rPr lang="fr-FR" sz="5400" b="1" dirty="0"/>
               <a:t>, </a:t>
             </a:r>
           </a:p>
           <a:p>
             <a:pPr algn="ctr"/>
             <a:r>
-              <a:rPr lang="it-IT" sz="5400" b="1" dirty="0" smtClean="0"/>
+              <a:rPr lang="it-IT" sz="5400" b="1" dirty="0"/>
               <a:t>Matokia fa tsy ho irery, </a:t>
             </a:r>
           </a:p>
           <a:p>
             <a:pPr algn="ctr"/>
             <a:r>
-              <a:rPr lang="fr-FR" sz="5400" b="1" dirty="0" err="1" smtClean="0"/>
+              <a:rPr lang="fr-FR" sz="5400" b="1" dirty="0" err="1"/>
               <a:t>Homba</a:t>
             </a:r>
             <a:r>
-              <a:rPr lang="fr-FR" sz="5400" b="1" dirty="0" smtClean="0"/>
-              <a:t> </a:t>
-            </a:r>
-            <a:r>
-              <a:rPr lang="fr-FR" sz="5400" b="1" dirty="0" err="1" smtClean="0"/>
+              <a:rPr lang="fr-FR" sz="5400" b="1" dirty="0"/>
+              <a:t> </a:t>
+            </a:r>
+            <a:r>
+              <a:rPr lang="fr-FR" sz="5400" b="1" dirty="0" err="1"/>
               <a:t>anao</a:t>
             </a:r>
             <a:r>
-              <a:rPr lang="fr-FR" sz="5400" b="1" dirty="0" smtClean="0"/>
-              <a:t> </a:t>
-            </a:r>
-            <a:r>
-              <a:rPr lang="fr-FR" sz="5400" b="1" dirty="0" err="1" smtClean="0"/>
+              <a:rPr lang="fr-FR" sz="5400" b="1" dirty="0"/>
+              <a:t> </a:t>
+            </a:r>
+            <a:r>
+              <a:rPr lang="fr-FR" sz="5400" b="1" dirty="0" err="1"/>
               <a:t>Jeso</a:t>
             </a:r>
             <a:r>
-              <a:rPr lang="fr-FR" sz="5400" b="1" dirty="0" smtClean="0"/>
-              <a:t> </a:t>
-            </a:r>
-            <a:r>
-              <a:rPr lang="fr-FR" sz="5400" b="1" dirty="0" err="1" smtClean="0"/>
+              <a:rPr lang="fr-FR" sz="5400" b="1" dirty="0"/>
+              <a:t> </a:t>
+            </a:r>
+            <a:r>
+              <a:rPr lang="fr-FR" sz="5400" b="1" dirty="0" err="1"/>
               <a:t>mahery</a:t>
             </a:r>
             <a:r>
-              <a:rPr lang="fr-FR" sz="5400" b="1" dirty="0" smtClean="0"/>
+              <a:rPr lang="fr-FR" sz="5400" b="1" dirty="0"/>
               <a:t>, </a:t>
             </a:r>
           </a:p>
           <a:p>
             <a:pPr algn="ctr"/>
             <a:r>
-              <a:rPr lang="es-ES" sz="5400" b="1" dirty="0" err="1" smtClean="0"/>
+              <a:rPr lang="es-ES" sz="5400" b="1" dirty="0" err="1"/>
               <a:t>Homba</a:t>
             </a:r>
             <a:r>
-              <a:rPr lang="es-ES" sz="5400" b="1" dirty="0" smtClean="0"/>
-              <a:t> </a:t>
-            </a:r>
-            <a:r>
-              <a:rPr lang="es-ES" sz="5400" b="1" dirty="0" err="1" smtClean="0"/>
+              <a:rPr lang="es-ES" sz="5400" b="1" dirty="0"/>
+              <a:t> </a:t>
+            </a:r>
+            <a:r>
+              <a:rPr lang="es-ES" sz="5400" b="1" dirty="0" err="1"/>
               <a:t>anao</a:t>
             </a:r>
             <a:r>
-              <a:rPr lang="es-ES" sz="5400" b="1" dirty="0" smtClean="0"/>
-              <a:t> </a:t>
-            </a:r>
-            <a:r>
-              <a:rPr lang="es-ES" sz="5400" b="1" dirty="0" err="1" smtClean="0"/>
+              <a:rPr lang="es-ES" sz="5400" b="1" dirty="0"/>
+              <a:t> </a:t>
+            </a:r>
+            <a:r>
+              <a:rPr lang="es-ES" sz="5400" b="1" dirty="0" err="1"/>
               <a:t>tsy</a:t>
             </a:r>
             <a:r>
-              <a:rPr lang="es-ES" sz="5400" b="1" dirty="0" smtClean="0"/>
-              <a:t> </a:t>
-            </a:r>
-            <a:r>
-              <a:rPr lang="es-ES" sz="5400" b="1" dirty="0" err="1" smtClean="0"/>
+              <a:rPr lang="es-ES" sz="5400" b="1" dirty="0"/>
+              <a:t> </a:t>
+            </a:r>
+            <a:r>
+              <a:rPr lang="es-ES" sz="5400" b="1" dirty="0" err="1"/>
               <a:t>miady</a:t>
             </a:r>
             <a:r>
-              <a:rPr lang="es-ES" sz="5400" b="1" dirty="0" smtClean="0"/>
-              <a:t> </a:t>
-            </a:r>
-            <a:r>
-              <a:rPr lang="es-ES" sz="5400" b="1" dirty="0" err="1" smtClean="0"/>
+              <a:rPr lang="es-ES" sz="5400" b="1" dirty="0"/>
+              <a:t> </a:t>
+            </a:r>
+            <a:r>
+              <a:rPr lang="es-ES" sz="5400" b="1" dirty="0" err="1"/>
               <a:t>varotra</a:t>
             </a:r>
             <a:r>
-              <a:rPr lang="es-ES" sz="5400" b="1" dirty="0" smtClean="0"/>
+              <a:rPr lang="es-ES" sz="5400" b="1" dirty="0"/>
               <a:t> </a:t>
             </a:r>
           </a:p>
@@ -6014,315 +5193,163 @@
           <a:p>
             <a:pPr algn="ctr"/>
             <a:r>
-              <a:rPr lang="es-ES" sz="5400" b="1" dirty="0" err="1" smtClean="0">
-                <a:solidFill>
-                  <a:srgbClr val="FF0000"/>
-                </a:solidFill>
-              </a:rPr>
+              <a:rPr lang="es-ES" sz="5400" b="1" dirty="0" err="1"/>
               <a:t>Homba</a:t>
             </a:r>
             <a:r>
-              <a:rPr lang="es-ES" sz="5400" b="1" dirty="0" smtClean="0">
-                <a:solidFill>
-                  <a:srgbClr val="FF0000"/>
-                </a:solidFill>
-              </a:rPr>
-              <a:t> </a:t>
-            </a:r>
-            <a:r>
-              <a:rPr lang="es-ES" sz="5400" b="1" dirty="0" err="1" smtClean="0">
-                <a:solidFill>
-                  <a:srgbClr val="FF0000"/>
-                </a:solidFill>
-              </a:rPr>
+              <a:rPr lang="es-ES" sz="5400" b="1" dirty="0"/>
+              <a:t> </a:t>
+            </a:r>
+            <a:r>
+              <a:rPr lang="es-ES" sz="5400" b="1" dirty="0" err="1"/>
               <a:t>anao</a:t>
             </a:r>
             <a:r>
-              <a:rPr lang="es-ES" sz="5400" b="1" dirty="0" smtClean="0">
-                <a:solidFill>
-                  <a:srgbClr val="FF0000"/>
-                </a:solidFill>
-              </a:rPr>
+              <a:rPr lang="es-ES" sz="5400" b="1" dirty="0"/>
               <a:t>, </a:t>
             </a:r>
             <a:r>
-              <a:rPr lang="es-ES" sz="5400" b="1" dirty="0" err="1" smtClean="0">
-                <a:solidFill>
-                  <a:srgbClr val="FF0000"/>
-                </a:solidFill>
-              </a:rPr>
+              <a:rPr lang="es-ES" sz="5400" b="1" dirty="0" err="1"/>
               <a:t>Homba</a:t>
             </a:r>
             <a:r>
-              <a:rPr lang="es-ES" sz="5400" b="1" dirty="0" smtClean="0">
-                <a:solidFill>
-                  <a:srgbClr val="FF0000"/>
-                </a:solidFill>
-              </a:rPr>
-              <a:t> </a:t>
-            </a:r>
-            <a:r>
-              <a:rPr lang="es-ES" sz="5400" b="1" dirty="0" err="1" smtClean="0">
-                <a:solidFill>
-                  <a:srgbClr val="FF0000"/>
-                </a:solidFill>
-              </a:rPr>
+              <a:rPr lang="es-ES" sz="5400" b="1" dirty="0"/>
+              <a:t> </a:t>
+            </a:r>
+            <a:r>
+              <a:rPr lang="es-ES" sz="5400" b="1" dirty="0" err="1"/>
               <a:t>anao</a:t>
             </a:r>
             <a:r>
-              <a:rPr lang="es-ES" sz="5400" b="1" dirty="0" smtClean="0">
-                <a:solidFill>
-                  <a:srgbClr val="FF0000"/>
-                </a:solidFill>
-              </a:rPr>
-              <a:t> </a:t>
-            </a:r>
-            <a:r>
-              <a:rPr lang="es-ES" sz="5400" b="1" dirty="0" err="1" smtClean="0">
-                <a:solidFill>
-                  <a:srgbClr val="FF0000"/>
-                </a:solidFill>
-              </a:rPr>
+              <a:rPr lang="es-ES" sz="5400" b="1" dirty="0"/>
+              <a:t> </a:t>
+            </a:r>
+            <a:r>
+              <a:rPr lang="es-ES" sz="5400" b="1" dirty="0" err="1"/>
               <a:t>Jeso</a:t>
             </a:r>
             <a:r>
-              <a:rPr lang="es-ES" sz="5400" b="1" dirty="0" smtClean="0">
-                <a:solidFill>
-                  <a:srgbClr val="FF0000"/>
-                </a:solidFill>
-              </a:rPr>
+              <a:rPr lang="es-ES" sz="5400" b="1" dirty="0"/>
               <a:t> </a:t>
             </a:r>
           </a:p>
           <a:p>
             <a:pPr algn="ctr"/>
             <a:r>
-              <a:rPr lang="fr-FR" sz="5400" b="1" dirty="0" err="1" smtClean="0">
-                <a:solidFill>
-                  <a:srgbClr val="FF0000"/>
-                </a:solidFill>
-              </a:rPr>
+              <a:rPr lang="fr-FR" sz="5400" b="1" dirty="0" err="1"/>
               <a:t>Homba</a:t>
             </a:r>
             <a:r>
-              <a:rPr lang="fr-FR" sz="5400" b="1" dirty="0" smtClean="0">
-                <a:solidFill>
-                  <a:srgbClr val="FF0000"/>
-                </a:solidFill>
-              </a:rPr>
-              <a:t> </a:t>
-            </a:r>
-            <a:r>
-              <a:rPr lang="fr-FR" sz="5400" b="1" dirty="0" err="1" smtClean="0">
-                <a:solidFill>
-                  <a:srgbClr val="FF0000"/>
-                </a:solidFill>
-              </a:rPr>
+              <a:rPr lang="fr-FR" sz="5400" b="1" dirty="0"/>
+              <a:t> </a:t>
+            </a:r>
+            <a:r>
+              <a:rPr lang="fr-FR" sz="5400" b="1" dirty="0" err="1"/>
               <a:t>anao</a:t>
             </a:r>
             <a:r>
-              <a:rPr lang="fr-FR" sz="5400" b="1" dirty="0" smtClean="0">
-                <a:solidFill>
-                  <a:srgbClr val="FF0000"/>
-                </a:solidFill>
-              </a:rPr>
-              <a:t> </a:t>
-            </a:r>
-            <a:r>
-              <a:rPr lang="fr-FR" sz="5400" b="1" dirty="0" err="1" smtClean="0">
-                <a:solidFill>
-                  <a:srgbClr val="FF0000"/>
-                </a:solidFill>
-              </a:rPr>
+              <a:rPr lang="fr-FR" sz="5400" b="1" dirty="0"/>
+              <a:t> </a:t>
+            </a:r>
+            <a:r>
+              <a:rPr lang="fr-FR" sz="5400" b="1" dirty="0" err="1"/>
               <a:t>anie</a:t>
             </a:r>
             <a:r>
-              <a:rPr lang="fr-FR" sz="5400" b="1" dirty="0" smtClean="0">
-                <a:solidFill>
-                  <a:srgbClr val="FF0000"/>
-                </a:solidFill>
-              </a:rPr>
-              <a:t> </a:t>
-            </a:r>
-            <a:r>
-              <a:rPr lang="fr-FR" sz="5400" b="1" dirty="0" err="1" smtClean="0">
-                <a:solidFill>
-                  <a:srgbClr val="FF0000"/>
-                </a:solidFill>
-              </a:rPr>
+              <a:rPr lang="fr-FR" sz="5400" b="1" dirty="0"/>
+              <a:t> </a:t>
+            </a:r>
+            <a:r>
+              <a:rPr lang="fr-FR" sz="5400" b="1" dirty="0" err="1"/>
               <a:t>Jeso</a:t>
             </a:r>
             <a:r>
-              <a:rPr lang="fr-FR" sz="5400" b="1" dirty="0" smtClean="0">
-                <a:solidFill>
-                  <a:srgbClr val="FF0000"/>
-                </a:solidFill>
-              </a:rPr>
+              <a:rPr lang="fr-FR" sz="5400" b="1" dirty="0"/>
               <a:t>, </a:t>
             </a:r>
           </a:p>
           <a:p>
             <a:pPr algn="ctr"/>
             <a:r>
-              <a:rPr lang="es-ES" sz="5400" b="1" dirty="0" err="1" smtClean="0">
-                <a:solidFill>
-                  <a:srgbClr val="FF0000"/>
-                </a:solidFill>
-              </a:rPr>
+              <a:rPr lang="es-ES" sz="5400" b="1" dirty="0" err="1"/>
               <a:t>Homba</a:t>
             </a:r>
             <a:r>
-              <a:rPr lang="es-ES" sz="5400" b="1" dirty="0" smtClean="0">
-                <a:solidFill>
-                  <a:srgbClr val="FF0000"/>
-                </a:solidFill>
-              </a:rPr>
-              <a:t> </a:t>
-            </a:r>
-            <a:r>
-              <a:rPr lang="es-ES" sz="5400" b="1" dirty="0" err="1" smtClean="0">
-                <a:solidFill>
-                  <a:srgbClr val="FF0000"/>
-                </a:solidFill>
-              </a:rPr>
+              <a:rPr lang="es-ES" sz="5400" b="1" dirty="0"/>
+              <a:t> </a:t>
+            </a:r>
+            <a:r>
+              <a:rPr lang="es-ES" sz="5400" b="1" dirty="0" err="1"/>
               <a:t>anao</a:t>
             </a:r>
             <a:r>
-              <a:rPr lang="es-ES" sz="5400" b="1" dirty="0" smtClean="0">
-                <a:solidFill>
-                  <a:srgbClr val="FF0000"/>
-                </a:solidFill>
-              </a:rPr>
+              <a:rPr lang="es-ES" sz="5400" b="1" dirty="0"/>
               <a:t>, </a:t>
             </a:r>
             <a:r>
-              <a:rPr lang="es-ES" sz="5400" b="1" dirty="0" err="1" smtClean="0">
-                <a:solidFill>
-                  <a:srgbClr val="FF0000"/>
-                </a:solidFill>
-              </a:rPr>
+              <a:rPr lang="es-ES" sz="5400" b="1" dirty="0" err="1"/>
               <a:t>Homba</a:t>
             </a:r>
             <a:r>
-              <a:rPr lang="es-ES" sz="5400" b="1" dirty="0" smtClean="0">
-                <a:solidFill>
-                  <a:srgbClr val="FF0000"/>
-                </a:solidFill>
-              </a:rPr>
-              <a:t> </a:t>
-            </a:r>
-            <a:r>
-              <a:rPr lang="es-ES" sz="5400" b="1" dirty="0" err="1" smtClean="0">
-                <a:solidFill>
-                  <a:srgbClr val="FF0000"/>
-                </a:solidFill>
-              </a:rPr>
+              <a:rPr lang="es-ES" sz="5400" b="1" dirty="0"/>
+              <a:t> </a:t>
+            </a:r>
+            <a:r>
+              <a:rPr lang="es-ES" sz="5400" b="1" dirty="0" err="1"/>
               <a:t>anao</a:t>
             </a:r>
             <a:r>
-              <a:rPr lang="es-ES" sz="5400" b="1" dirty="0" smtClean="0">
-                <a:solidFill>
-                  <a:srgbClr val="FF0000"/>
-                </a:solidFill>
-              </a:rPr>
-              <a:t> </a:t>
-            </a:r>
-            <a:r>
-              <a:rPr lang="es-ES" sz="5400" b="1" dirty="0" err="1" smtClean="0">
-                <a:solidFill>
-                  <a:srgbClr val="FF0000"/>
-                </a:solidFill>
-              </a:rPr>
+              <a:rPr lang="es-ES" sz="5400" b="1" dirty="0"/>
+              <a:t> </a:t>
+            </a:r>
+            <a:r>
+              <a:rPr lang="es-ES" sz="5400" b="1" dirty="0" err="1"/>
               <a:t>Jeso</a:t>
             </a:r>
             <a:r>
-              <a:rPr lang="es-ES" sz="5400" b="1" dirty="0" smtClean="0">
-                <a:solidFill>
-                  <a:srgbClr val="FF0000"/>
-                </a:solidFill>
-              </a:rPr>
+              <a:rPr lang="es-ES" sz="5400" b="1" dirty="0"/>
               <a:t> </a:t>
             </a:r>
           </a:p>
           <a:p>
             <a:pPr algn="ctr"/>
             <a:r>
-              <a:rPr lang="fr-FR" sz="5400" b="1" dirty="0" err="1" smtClean="0">
-                <a:solidFill>
-                  <a:srgbClr val="FF0000"/>
-                </a:solidFill>
-              </a:rPr>
+              <a:rPr lang="fr-FR" sz="5400" b="1" dirty="0" err="1"/>
               <a:t>Enga</a:t>
             </a:r>
             <a:r>
-              <a:rPr lang="fr-FR" sz="5400" b="1" dirty="0" smtClean="0">
-                <a:solidFill>
-                  <a:srgbClr val="FF0000"/>
-                </a:solidFill>
-              </a:rPr>
-              <a:t> </a:t>
-            </a:r>
-            <a:r>
-              <a:rPr lang="fr-FR" sz="5400" b="1" dirty="0" err="1" smtClean="0">
-                <a:solidFill>
-                  <a:srgbClr val="FF0000"/>
-                </a:solidFill>
-              </a:rPr>
+              <a:rPr lang="fr-FR" sz="5400" b="1" dirty="0"/>
+              <a:t> </a:t>
+            </a:r>
+            <a:r>
+              <a:rPr lang="fr-FR" sz="5400" b="1" dirty="0" err="1"/>
               <a:t>anie</a:t>
             </a:r>
             <a:r>
-              <a:rPr lang="fr-FR" sz="5400" b="1" dirty="0" smtClean="0">
-                <a:solidFill>
-                  <a:srgbClr val="FF0000"/>
-                </a:solidFill>
-              </a:rPr>
+              <a:rPr lang="fr-FR" sz="5400" b="1" dirty="0"/>
               <a:t> ka </a:t>
             </a:r>
             <a:r>
-              <a:rPr lang="fr-FR" sz="5400" b="1" dirty="0" err="1" smtClean="0">
-                <a:solidFill>
-                  <a:srgbClr val="FF0000"/>
-                </a:solidFill>
-              </a:rPr>
+              <a:rPr lang="fr-FR" sz="5400" b="1" dirty="0" err="1"/>
               <a:t>homba</a:t>
             </a:r>
             <a:r>
-              <a:rPr lang="fr-FR" sz="5400" b="1" dirty="0" smtClean="0">
-                <a:solidFill>
-                  <a:srgbClr val="FF0000"/>
-                </a:solidFill>
-              </a:rPr>
-              <a:t> </a:t>
-            </a:r>
-            <a:r>
-              <a:rPr lang="fr-FR" sz="5400" b="1" dirty="0" err="1" smtClean="0">
-                <a:solidFill>
-                  <a:srgbClr val="FF0000"/>
-                </a:solidFill>
-              </a:rPr>
+              <a:rPr lang="fr-FR" sz="5400" b="1" dirty="0"/>
+              <a:t> </a:t>
+            </a:r>
+            <a:r>
+              <a:rPr lang="fr-FR" sz="5400" b="1" dirty="0" err="1"/>
               <a:t>anao</a:t>
             </a:r>
             <a:r>
-              <a:rPr lang="fr-FR" sz="5400" b="1" dirty="0" smtClean="0">
-                <a:solidFill>
-                  <a:srgbClr val="FF0000"/>
-                </a:solidFill>
-              </a:rPr>
-              <a:t> </a:t>
-            </a:r>
-            <a:r>
-              <a:rPr lang="fr-FR" sz="5400" b="1" dirty="0" err="1" smtClean="0">
-                <a:solidFill>
-                  <a:srgbClr val="FF0000"/>
-                </a:solidFill>
-              </a:rPr>
+              <a:rPr lang="fr-FR" sz="5400" b="1" dirty="0"/>
+              <a:t> </a:t>
+            </a:r>
+            <a:r>
+              <a:rPr lang="fr-FR" sz="5400" b="1" dirty="0" err="1"/>
               <a:t>Jeso</a:t>
             </a:r>
-            <a:endParaRPr lang="fr-FR" sz="5400" b="1" dirty="0">
-              <a:solidFill>
-                <a:srgbClr val="FF0000"/>
-              </a:solidFill>
-            </a:endParaRPr>
+            <a:endParaRPr lang="fr-FR" sz="5400" b="1" dirty="0"/>
           </a:p>
         </p:txBody>
       </p:sp>
@@ -6331,13 +5358,6 @@
   <p:clrMapOvr>
     <a:masterClrMapping/>
   </p:clrMapOvr>
-  <p:timing>
-    <p:tnLst>
-      <p:par>
-        <p:cTn id="1" dur="indefinite" restart="never" nodeType="tmRoot"/>
-      </p:par>
-    </p:tnLst>
-  </p:timing>
 </p:sld>
 </file>
 
